--- a/Final Poster Draft.pptx
+++ b/Final Poster Draft.pptx
@@ -861,11 +861,7 @@
             </a:pPr>
             <a:r>
               <a:rPr lang="en-US" dirty="0"/>
-              <a:t>How to best cite all the sources. Sentence about them living in the QR code? </a:t>
-            </a:r>
-            <a:r>
-              <a:rPr lang="en-US"/>
-              <a:t>Which does need to be fixed LOL</a:t>
+              <a:t>How to best cite all the sources. Sentence about them living in the QR code? Which does need to be fixed LOL</a:t>
             </a:r>
             <a:endParaRPr dirty="0"/>
           </a:p>
@@ -6685,13 +6681,13 @@
               <p:nvPr>
                 <p:extLst>
                   <p:ext uri="{D42A27DB-BD31-4B8C-83A1-F6EECF244321}">
-                    <p14:modId xmlns:p14="http://schemas.microsoft.com/office/powerpoint/2010/main" val="60645567"/>
+                    <p14:modId xmlns:p14="http://schemas.microsoft.com/office/powerpoint/2010/main" val="3655561168"/>
                   </p:ext>
                 </p:extLst>
               </p:nvPr>
             </p:nvGraphicFramePr>
             <p:xfrm>
-              <a:off x="23149198" y="8221210"/>
+              <a:off x="23176873" y="8203038"/>
               <a:ext cx="6858000" cy="3107944"/>
             </p:xfrm>
             <a:graphic>
@@ -7310,13 +7306,13 @@
               <p:nvPr>
                 <p:extLst>
                   <p:ext uri="{D42A27DB-BD31-4B8C-83A1-F6EECF244321}">
-                    <p14:modId xmlns:p14="http://schemas.microsoft.com/office/powerpoint/2010/main" val="60645567"/>
+                    <p14:modId xmlns:p14="http://schemas.microsoft.com/office/powerpoint/2010/main" val="3655561168"/>
                   </p:ext>
                 </p:extLst>
               </p:nvPr>
             </p:nvGraphicFramePr>
             <p:xfrm>
-              <a:off x="23149198" y="8221210"/>
+              <a:off x="23176873" y="8203038"/>
               <a:ext cx="6858000" cy="3107944"/>
             </p:xfrm>
             <a:graphic>
@@ -7431,7 +7427,7 @@
                         <a:blipFill>
                           <a:blip r:embed="rId7"/>
                           <a:stretch>
-                            <a:fillRect t="-186047" r="-624000" b="-325581"/>
+                            <a:fillRect t="-186047" r="-625333" b="-325581"/>
                           </a:stretch>
                         </a:blipFill>
                       </a:tcPr>
@@ -7499,7 +7495,7 @@
                         <a:blipFill>
                           <a:blip r:embed="rId7"/>
                           <a:stretch>
-                            <a:fillRect t="-292857" r="-624000" b="-233333"/>
+                            <a:fillRect t="-292857" r="-625333" b="-233333"/>
                           </a:stretch>
                         </a:blipFill>
                       </a:tcPr>
@@ -7567,7 +7563,7 @@
                         <a:blipFill>
                           <a:blip r:embed="rId7"/>
                           <a:stretch>
-                            <a:fillRect t="-383721" r="-624000" b="-127907"/>
+                            <a:fillRect t="-383721" r="-625333" b="-127907"/>
                           </a:stretch>
                         </a:blipFill>
                       </a:tcPr>
@@ -7635,7 +7631,7 @@
                         <a:blipFill>
                           <a:blip r:embed="rId7"/>
                           <a:stretch>
-                            <a:fillRect t="-483721" r="-624000" b="-27907"/>
+                            <a:fillRect t="-483721" r="-625333" b="-27907"/>
                           </a:stretch>
                         </a:blipFill>
                       </a:tcPr>
@@ -7713,13 +7709,13 @@
               <p:nvPr>
                 <p:extLst>
                   <p:ext uri="{D42A27DB-BD31-4B8C-83A1-F6EECF244321}">
-                    <p14:modId xmlns:p14="http://schemas.microsoft.com/office/powerpoint/2010/main" val="3853628893"/>
+                    <p14:modId xmlns:p14="http://schemas.microsoft.com/office/powerpoint/2010/main" val="1197732028"/>
                   </p:ext>
                 </p:extLst>
               </p:nvPr>
             </p:nvGraphicFramePr>
             <p:xfrm>
-              <a:off x="23149198" y="17663559"/>
+              <a:off x="23149199" y="17629613"/>
               <a:ext cx="6858000" cy="3107944"/>
             </p:xfrm>
             <a:graphic>
@@ -8338,13 +8334,13 @@
               <p:nvPr>
                 <p:extLst>
                   <p:ext uri="{D42A27DB-BD31-4B8C-83A1-F6EECF244321}">
-                    <p14:modId xmlns:p14="http://schemas.microsoft.com/office/powerpoint/2010/main" val="3853628893"/>
+                    <p14:modId xmlns:p14="http://schemas.microsoft.com/office/powerpoint/2010/main" val="1197732028"/>
                   </p:ext>
                 </p:extLst>
               </p:nvPr>
             </p:nvGraphicFramePr>
             <p:xfrm>
-              <a:off x="23149198" y="17663559"/>
+              <a:off x="23149199" y="17629613"/>
               <a:ext cx="6858000" cy="3107944"/>
             </p:xfrm>
             <a:graphic>
@@ -8527,7 +8523,7 @@
                         <a:blipFill>
                           <a:blip r:embed="rId8"/>
                           <a:stretch>
-                            <a:fillRect t="-292857" r="-554217" b="-233333"/>
+                            <a:fillRect t="-286047" r="-554217" b="-225581"/>
                           </a:stretch>
                         </a:blipFill>
                       </a:tcPr>
@@ -8595,7 +8591,7 @@
                         <a:blipFill>
                           <a:blip r:embed="rId8"/>
                           <a:stretch>
-                            <a:fillRect t="-383721" r="-554217" b="-127907"/>
+                            <a:fillRect t="-395238" r="-554217" b="-130952"/>
                           </a:stretch>
                         </a:blipFill>
                       </a:tcPr>
@@ -9151,8 +9147,8 @@
         </p:nvSpPr>
         <p:spPr>
           <a:xfrm>
-            <a:off x="22929888" y="7393289"/>
-            <a:ext cx="10386337" cy="984845"/>
+            <a:off x="23149199" y="7417204"/>
+            <a:ext cx="6858000" cy="984845"/>
           </a:xfrm>
           <a:prstGeom prst="rect">
             <a:avLst/>
@@ -9218,8 +9214,8 @@
         </p:nvSpPr>
         <p:spPr>
           <a:xfrm>
-            <a:off x="22929888" y="16746100"/>
-            <a:ext cx="10386337" cy="984845"/>
+            <a:off x="23149199" y="16744961"/>
+            <a:ext cx="6858000" cy="984845"/>
           </a:xfrm>
           <a:prstGeom prst="rect">
             <a:avLst/>
@@ -9798,16 +9794,15 @@
           </p:cNvPicPr>
           <p:nvPr/>
         </p:nvPicPr>
-        <p:blipFill>
+        <p:blipFill rotWithShape="1">
           <a:blip r:embed="rId12"/>
-          <a:stretch>
-            <a:fillRect/>
-          </a:stretch>
+          <a:srcRect b="23065"/>
+          <a:stretch/>
         </p:blipFill>
         <p:spPr>
           <a:xfrm>
-            <a:off x="31155031" y="15574179"/>
-            <a:ext cx="10550769" cy="5486400"/>
+            <a:off x="31155031" y="15022227"/>
+            <a:ext cx="10550769" cy="5970294"/>
           </a:xfrm>
           <a:prstGeom prst="rect">
             <a:avLst/>
@@ -9828,24 +9823,23 @@
           </p:cNvPicPr>
           <p:nvPr/>
         </p:nvPicPr>
-        <p:blipFill>
+        <p:blipFill rotWithShape="1">
           <a:blip r:embed="rId13"/>
-          <a:stretch>
-            <a:fillRect/>
-          </a:stretch>
+          <a:srcRect b="23071"/>
+          <a:stretch/>
         </p:blipFill>
         <p:spPr>
           <a:xfrm>
             <a:off x="31155031" y="7670186"/>
-            <a:ext cx="10550769" cy="5486400"/>
+            <a:ext cx="10550769" cy="5418341"/>
           </a:xfrm>
           <a:prstGeom prst="rect">
             <a:avLst/>
           </a:prstGeom>
         </p:spPr>
       </p:pic>
-      <mc:AlternateContent xmlns:mc="http://schemas.openxmlformats.org/markup-compatibility/2006">
-        <mc:Choice xmlns:a14="http://schemas.microsoft.com/office/drawing/2010/main" Requires="a14">
+      <mc:AlternateContent xmlns:mc="http://schemas.openxmlformats.org/markup-compatibility/2006" xmlns:a14="http://schemas.microsoft.com/office/drawing/2010/main">
+        <mc:Choice Requires="a14">
           <p:sp>
             <p:nvSpPr>
               <p:cNvPr id="40" name="Google Shape;67;p13">
@@ -10708,7 +10702,7 @@
             </p:txBody>
           </p:sp>
         </mc:Choice>
-        <mc:Fallback>
+        <mc:Fallback xmlns="">
           <p:sp>
             <p:nvSpPr>
               <p:cNvPr id="40" name="Google Shape;67;p13">
@@ -11308,6 +11302,9 @@
                         <m:chr m:val="̂"/>
                         <m:ctrlPr>
                           <a:rPr lang="en-US" sz="2800" i="1" smtClean="0">
+                            <a:solidFill>
+                              <a:srgbClr val="522E5E"/>
+                            </a:solidFill>
                             <a:latin typeface="Cambria Math" panose="02040503050406030204" pitchFamily="18" charset="0"/>
                             <a:ea typeface="Roboto" panose="02000000000000000000" pitchFamily="2" charset="0"/>
                             <a:cs typeface="Roboto" panose="02000000000000000000" pitchFamily="2" charset="0"/>
@@ -11319,6 +11316,9 @@
                           <m:sSubPr>
                             <m:ctrlPr>
                               <a:rPr lang="en-US" sz="2800" i="1" smtClean="0">
+                                <a:solidFill>
+                                  <a:srgbClr val="522E5E"/>
+                                </a:solidFill>
                                 <a:latin typeface="Cambria Math" panose="02040503050406030204" pitchFamily="18" charset="0"/>
                                 <a:ea typeface="Roboto" panose="02000000000000000000" pitchFamily="2" charset="0"/>
                                 <a:cs typeface="Roboto" panose="02000000000000000000" pitchFamily="2" charset="0"/>
@@ -11328,6 +11328,9 @@
                           <m:e>
                             <m:r>
                               <a:rPr lang="en-US" sz="2800" i="1" smtClean="0">
+                                <a:solidFill>
+                                  <a:srgbClr val="522E5E"/>
+                                </a:solidFill>
                                 <a:latin typeface="Cambria Math" panose="02040503050406030204" pitchFamily="18" charset="0"/>
                                 <a:ea typeface="Cambria Math" panose="02040503050406030204" pitchFamily="18" charset="0"/>
                                 <a:cs typeface="Roboto" panose="02000000000000000000" pitchFamily="2" charset="0"/>
@@ -11338,6 +11341,9 @@
                           <m:sub>
                             <m:r>
                               <a:rPr lang="en-US" sz="2800" b="0" i="1" smtClean="0">
+                                <a:solidFill>
+                                  <a:srgbClr val="522E5E"/>
+                                </a:solidFill>
                                 <a:latin typeface="Cambria Math" panose="02040503050406030204" pitchFamily="18" charset="0"/>
                                 <a:ea typeface="Cambria Math" panose="02040503050406030204" pitchFamily="18" charset="0"/>
                                 <a:cs typeface="Roboto" panose="02000000000000000000" pitchFamily="2" charset="0"/>
@@ -11414,6 +11420,9 @@
                         <m:chr m:val="̂"/>
                         <m:ctrlPr>
                           <a:rPr lang="en-US" sz="2800" i="1" smtClean="0">
+                            <a:solidFill>
+                              <a:srgbClr val="DD304A"/>
+                            </a:solidFill>
                             <a:latin typeface="Cambria Math" panose="02040503050406030204" pitchFamily="18" charset="0"/>
                             <a:ea typeface="Roboto" panose="02000000000000000000" pitchFamily="2" charset="0"/>
                             <a:cs typeface="Roboto" panose="02000000000000000000" pitchFamily="2" charset="0"/>
@@ -11425,6 +11434,9 @@
                           <m:sSubPr>
                             <m:ctrlPr>
                               <a:rPr lang="en-US" sz="2800" i="1" smtClean="0">
+                                <a:solidFill>
+                                  <a:srgbClr val="DD304A"/>
+                                </a:solidFill>
                                 <a:latin typeface="Cambria Math" panose="02040503050406030204" pitchFamily="18" charset="0"/>
                                 <a:ea typeface="Roboto" panose="02000000000000000000" pitchFamily="2" charset="0"/>
                                 <a:cs typeface="Roboto" panose="02000000000000000000" pitchFamily="2" charset="0"/>
@@ -11434,6 +11446,9 @@
                           <m:e>
                             <m:r>
                               <a:rPr lang="en-US" sz="2800" i="1" smtClean="0">
+                                <a:solidFill>
+                                  <a:srgbClr val="DD304A"/>
+                                </a:solidFill>
                                 <a:latin typeface="Cambria Math" panose="02040503050406030204" pitchFamily="18" charset="0"/>
                                 <a:ea typeface="Cambria Math" panose="02040503050406030204" pitchFamily="18" charset="0"/>
                                 <a:cs typeface="Roboto" panose="02000000000000000000" pitchFamily="2" charset="0"/>
@@ -11444,6 +11459,9 @@
                           <m:sub>
                             <m:r>
                               <a:rPr lang="en-US" sz="2800" b="0" i="1" smtClean="0">
+                                <a:solidFill>
+                                  <a:srgbClr val="DD304A"/>
+                                </a:solidFill>
                                 <a:latin typeface="Cambria Math" panose="02040503050406030204" pitchFamily="18" charset="0"/>
                                 <a:ea typeface="Cambria Math" panose="02040503050406030204" pitchFamily="18" charset="0"/>
                                 <a:cs typeface="Roboto" panose="02000000000000000000" pitchFamily="2" charset="0"/>
@@ -11454,6 +11472,9 @@
                         </m:sSub>
                         <m:r>
                           <a:rPr lang="en-US" sz="2800" b="0" i="1" smtClean="0">
+                            <a:solidFill>
+                              <a:srgbClr val="DD304A"/>
+                            </a:solidFill>
                             <a:latin typeface="Cambria Math" panose="02040503050406030204" pitchFamily="18" charset="0"/>
                             <a:ea typeface="Cambria Math" panose="02040503050406030204" pitchFamily="18" charset="0"/>
                             <a:cs typeface="Roboto" panose="02000000000000000000" pitchFamily="2" charset="0"/>

--- a/Final Poster Draft.pptx
+++ b/Final Poster Draft.pptx
@@ -6664,8 +6664,8 @@
           </a:p>
         </p:txBody>
       </p:sp>
-      <mc:AlternateContent xmlns:mc="http://schemas.openxmlformats.org/markup-compatibility/2006">
-        <mc:Choice xmlns:a14="http://schemas.microsoft.com/office/drawing/2010/main" Requires="a14">
+      <mc:AlternateContent xmlns:mc="http://schemas.openxmlformats.org/markup-compatibility/2006" xmlns:a14="http://schemas.microsoft.com/office/drawing/2010/main">
+        <mc:Choice Requires="a14">
           <p:graphicFrame>
             <p:nvGraphicFramePr>
               <p:cNvPr id="9" name="Table 8">
@@ -7290,7 +7290,7 @@
             </a:graphic>
           </p:graphicFrame>
         </mc:Choice>
-        <mc:Fallback>
+        <mc:Fallback xmlns="">
           <p:graphicFrame>
             <p:nvGraphicFramePr>
               <p:cNvPr id="9" name="Table 8">
@@ -7692,8 +7692,8 @@
           </p:graphicFrame>
         </mc:Fallback>
       </mc:AlternateContent>
-      <mc:AlternateContent xmlns:mc="http://schemas.openxmlformats.org/markup-compatibility/2006">
-        <mc:Choice xmlns:a14="http://schemas.microsoft.com/office/drawing/2010/main" Requires="a14">
+      <mc:AlternateContent xmlns:mc="http://schemas.openxmlformats.org/markup-compatibility/2006" xmlns:a14="http://schemas.microsoft.com/office/drawing/2010/main">
+        <mc:Choice Requires="a14">
           <p:graphicFrame>
             <p:nvGraphicFramePr>
               <p:cNvPr id="11" name="Table 10">
@@ -8318,7 +8318,7 @@
             </a:graphic>
           </p:graphicFrame>
         </mc:Choice>
-        <mc:Fallback>
+        <mc:Fallback xmlns="">
           <p:graphicFrame>
             <p:nvGraphicFramePr>
               <p:cNvPr id="11" name="Table 10">
@@ -9774,64 +9774,6 @@
           <a:xfrm>
             <a:off x="12056941" y="14163324"/>
             <a:ext cx="10550769" cy="5486400"/>
-          </a:xfrm>
-          <a:prstGeom prst="rect">
-            <a:avLst/>
-          </a:prstGeom>
-        </p:spPr>
-      </p:pic>
-      <p:pic>
-        <p:nvPicPr>
-          <p:cNvPr id="33" name="Picture 32" descr="A screen shot of a graph&#10;&#10;Description automatically generated">
-            <a:extLst>
-              <a:ext uri="{FF2B5EF4-FFF2-40B4-BE49-F238E27FC236}">
-                <a16:creationId xmlns:a16="http://schemas.microsoft.com/office/drawing/2014/main" id="{54B1EF89-E09B-A71B-69DF-2FAC279762A4}"/>
-              </a:ext>
-            </a:extLst>
-          </p:cNvPr>
-          <p:cNvPicPr>
-            <a:picLocks noChangeAspect="1"/>
-          </p:cNvPicPr>
-          <p:nvPr/>
-        </p:nvPicPr>
-        <p:blipFill rotWithShape="1">
-          <a:blip r:embed="rId12"/>
-          <a:srcRect b="23065"/>
-          <a:stretch/>
-        </p:blipFill>
-        <p:spPr>
-          <a:xfrm>
-            <a:off x="31155031" y="15022227"/>
-            <a:ext cx="10550769" cy="5970294"/>
-          </a:xfrm>
-          <a:prstGeom prst="rect">
-            <a:avLst/>
-          </a:prstGeom>
-        </p:spPr>
-      </p:pic>
-      <p:pic>
-        <p:nvPicPr>
-          <p:cNvPr id="38" name="Picture 37" descr="A graph of a child rating trends&#10;&#10;Description automatically generated">
-            <a:extLst>
-              <a:ext uri="{FF2B5EF4-FFF2-40B4-BE49-F238E27FC236}">
-                <a16:creationId xmlns:a16="http://schemas.microsoft.com/office/drawing/2014/main" id="{835F9DEF-1D61-8F34-5D17-2D549F6E80BA}"/>
-              </a:ext>
-            </a:extLst>
-          </p:cNvPr>
-          <p:cNvPicPr>
-            <a:picLocks noChangeAspect="1"/>
-          </p:cNvPicPr>
-          <p:nvPr/>
-        </p:nvPicPr>
-        <p:blipFill rotWithShape="1">
-          <a:blip r:embed="rId13"/>
-          <a:srcRect b="23071"/>
-          <a:stretch/>
-        </p:blipFill>
-        <p:spPr>
-          <a:xfrm>
-            <a:off x="31155031" y="7670186"/>
-            <a:ext cx="10550769" cy="5418341"/>
           </a:xfrm>
           <a:prstGeom prst="rect">
             <a:avLst/>
@@ -11176,8 +11118,8 @@
           </a:p>
         </p:txBody>
       </p:sp>
-      <mc:AlternateContent xmlns:mc="http://schemas.openxmlformats.org/markup-compatibility/2006">
-        <mc:Choice xmlns:a14="http://schemas.microsoft.com/office/drawing/2010/main" Requires="a14">
+      <mc:AlternateContent xmlns:mc="http://schemas.openxmlformats.org/markup-compatibility/2006" xmlns:a14="http://schemas.microsoft.com/office/drawing/2010/main">
+        <mc:Choice Requires="a14">
           <p:sp>
             <p:nvSpPr>
               <p:cNvPr id="48" name="Google Shape;155;p14">
@@ -11521,7 +11463,7 @@
             </p:txBody>
           </p:sp>
         </mc:Choice>
-        <mc:Fallback>
+        <mc:Fallback xmlns="">
           <p:sp>
             <p:nvSpPr>
               <p:cNvPr id="48" name="Google Shape;155;p14">
@@ -11710,6 +11652,66 @@
           </a:p>
         </p:txBody>
       </p:sp>
+      <p:pic>
+        <p:nvPicPr>
+          <p:cNvPr id="10" name="Picture 9" descr="A graph of different colored dots&#10;&#10;Description automatically generated">
+            <a:extLst>
+              <a:ext uri="{FF2B5EF4-FFF2-40B4-BE49-F238E27FC236}">
+                <a16:creationId xmlns:a16="http://schemas.microsoft.com/office/drawing/2014/main" id="{1E771C6A-767D-52FE-1355-19EEDF802C4F}"/>
+              </a:ext>
+            </a:extLst>
+          </p:cNvPr>
+          <p:cNvPicPr>
+            <a:picLocks noChangeAspect="1"/>
+          </p:cNvPicPr>
+          <p:nvPr/>
+        </p:nvPicPr>
+        <p:blipFill>
+          <a:blip r:embed="rId17"/>
+          <a:stretch>
+            <a:fillRect/>
+          </a:stretch>
+        </p:blipFill>
+        <p:spPr>
+          <a:xfrm>
+            <a:off x="31103183" y="7515729"/>
+            <a:ext cx="10550769" cy="5486400"/>
+          </a:xfrm>
+          <a:prstGeom prst="rect">
+            <a:avLst/>
+          </a:prstGeom>
+        </p:spPr>
+      </p:pic>
+      <p:pic>
+        <p:nvPicPr>
+          <p:cNvPr id="17" name="Picture 16" descr="A screen shot of a graph&#10;&#10;Description automatically generated">
+            <a:extLst>
+              <a:ext uri="{FF2B5EF4-FFF2-40B4-BE49-F238E27FC236}">
+                <a16:creationId xmlns:a16="http://schemas.microsoft.com/office/drawing/2014/main" id="{1EAB0808-A5EB-002F-4B1B-DEF4B84BAEAA}"/>
+              </a:ext>
+            </a:extLst>
+          </p:cNvPr>
+          <p:cNvPicPr>
+            <a:picLocks noChangeAspect="1"/>
+          </p:cNvPicPr>
+          <p:nvPr/>
+        </p:nvPicPr>
+        <p:blipFill>
+          <a:blip r:embed="rId18"/>
+          <a:stretch>
+            <a:fillRect/>
+          </a:stretch>
+        </p:blipFill>
+        <p:spPr>
+          <a:xfrm>
+            <a:off x="31103183" y="15186471"/>
+            <a:ext cx="10550769" cy="5486400"/>
+          </a:xfrm>
+          <a:prstGeom prst="rect">
+            <a:avLst/>
+          </a:prstGeom>
+        </p:spPr>
+      </p:pic>
     </p:spTree>
   </p:cSld>
   <p:clrMapOvr>

--- a/Final Poster Draft.pptx
+++ b/Final Poster Draft.pptx
@@ -5,31 +5,32 @@
     <p:sldMasterId id="2147483659" r:id="rId1"/>
   </p:sldMasterIdLst>
   <p:notesMasterIdLst>
-    <p:notesMasterId r:id="rId3"/>
+    <p:notesMasterId r:id="rId4"/>
   </p:notesMasterIdLst>
   <p:sldIdLst>
     <p:sldId id="256" r:id="rId2"/>
+    <p:sldId id="257" r:id="rId3"/>
   </p:sldIdLst>
   <p:sldSz cx="42803763" cy="30275213"/>
   <p:notesSz cx="6858000" cy="9144000"/>
   <p:embeddedFontLst>
     <p:embeddedFont>
       <p:font typeface="Cambria Math" panose="02040503050406030204" pitchFamily="18" charset="0"/>
-      <p:regular r:id="rId4"/>
+      <p:regular r:id="rId5"/>
     </p:embeddedFont>
     <p:embeddedFont>
       <p:font typeface="Roboto" panose="02000000000000000000" pitchFamily="2" charset="0"/>
-      <p:regular r:id="rId5"/>
-      <p:bold r:id="rId6"/>
-      <p:italic r:id="rId7"/>
-      <p:boldItalic r:id="rId8"/>
+      <p:regular r:id="rId6"/>
+      <p:bold r:id="rId7"/>
+      <p:italic r:id="rId8"/>
+      <p:boldItalic r:id="rId9"/>
     </p:embeddedFont>
     <p:embeddedFont>
       <p:font typeface="Roboto Condensed" panose="020F0502020204030204" pitchFamily="34" charset="0"/>
-      <p:regular r:id="rId9"/>
-      <p:bold r:id="rId10"/>
-      <p:italic r:id="rId11"/>
-      <p:boldItalic r:id="rId12"/>
+      <p:regular r:id="rId10"/>
+      <p:bold r:id="rId11"/>
+      <p:italic r:id="rId12"/>
+      <p:boldItalic r:id="rId13"/>
     </p:embeddedFont>
   </p:embeddedFontLst>
   <p:defaultTextStyle>
@@ -868,6 +869,119 @@
         </p:txBody>
       </p:sp>
     </p:spTree>
+  </p:cSld>
+  <p:clrMapOvr>
+    <a:masterClrMapping/>
+  </p:clrMapOvr>
+</p:notes>
+</file>
+
+<file path=ppt/notesSlides/notesSlide2.xml><?xml version="1.0" encoding="utf-8"?>
+<p:notes xmlns:a="http://schemas.openxmlformats.org/drawingml/2006/main" xmlns:r="http://schemas.openxmlformats.org/officeDocument/2006/relationships" xmlns:p="http://schemas.openxmlformats.org/presentationml/2006/main" showMasterSp="0" showMasterPhAnim="0">
+  <p:cSld>
+    <p:spTree>
+      <p:nvGrpSpPr>
+        <p:cNvPr id="1" name="Shape 50"/>
+        <p:cNvGrpSpPr/>
+        <p:nvPr/>
+      </p:nvGrpSpPr>
+      <p:grpSpPr>
+        <a:xfrm>
+          <a:off x="0" y="0"/>
+          <a:ext cx="0" cy="0"/>
+          <a:chOff x="0" y="0"/>
+          <a:chExt cx="0" cy="0"/>
+        </a:xfrm>
+      </p:grpSpPr>
+      <p:sp>
+        <p:nvSpPr>
+          <p:cNvPr id="51" name="Google Shape;51;p:notes"/>
+          <p:cNvSpPr>
+            <a:spLocks noGrp="1" noRot="1" noChangeAspect="1"/>
+          </p:cNvSpPr>
+          <p:nvPr>
+            <p:ph type="sldImg" idx="2"/>
+          </p:nvPr>
+        </p:nvSpPr>
+        <p:spPr>
+          <a:xfrm>
+            <a:off x="1004888" y="685800"/>
+            <a:ext cx="4848225" cy="3429000"/>
+          </a:xfrm>
+          <a:custGeom>
+            <a:avLst/>
+            <a:gdLst/>
+            <a:ahLst/>
+            <a:cxnLst/>
+            <a:rect l="l" t="t" r="r" b="b"/>
+            <a:pathLst>
+              <a:path w="120000" h="120000" extrusionOk="0">
+                <a:moveTo>
+                  <a:pt x="0" y="0"/>
+                </a:moveTo>
+                <a:lnTo>
+                  <a:pt x="120000" y="0"/>
+                </a:lnTo>
+                <a:lnTo>
+                  <a:pt x="120000" y="120000"/>
+                </a:lnTo>
+                <a:lnTo>
+                  <a:pt x="0" y="120000"/>
+                </a:lnTo>
+                <a:close/>
+              </a:path>
+            </a:pathLst>
+          </a:custGeom>
+        </p:spPr>
+      </p:sp>
+      <p:sp>
+        <p:nvSpPr>
+          <p:cNvPr id="52" name="Google Shape;52;p:notes"/>
+          <p:cNvSpPr txBox="1">
+            <a:spLocks noGrp="1"/>
+          </p:cNvSpPr>
+          <p:nvPr>
+            <p:ph type="body" idx="1"/>
+          </p:nvPr>
+        </p:nvSpPr>
+        <p:spPr>
+          <a:xfrm>
+            <a:off x="685800" y="4343400"/>
+            <a:ext cx="5486400" cy="4114800"/>
+          </a:xfrm>
+          <a:prstGeom prst="rect">
+            <a:avLst/>
+          </a:prstGeom>
+        </p:spPr>
+        <p:txBody>
+          <a:bodyPr spcFirstLastPara="1" wrap="square" lIns="91425" tIns="91425" rIns="91425" bIns="91425" anchor="t" anchorCtr="0">
+            <a:noAutofit/>
+          </a:bodyPr>
+          <a:lstStyle/>
+          <a:p>
+            <a:pPr marL="0" lvl="0" indent="0" algn="l" rtl="0">
+              <a:spcBef>
+                <a:spcPts val="0"/>
+              </a:spcBef>
+              <a:spcAft>
+                <a:spcPts val="0"/>
+              </a:spcAft>
+              <a:buNone/>
+            </a:pPr>
+            <a:r>
+              <a:rPr lang="en-US" dirty="0"/>
+              <a:t>How to best cite all the sources. Sentence about them living in the QR code? Which does need to be fixed LOL</a:t>
+            </a:r>
+            <a:endParaRPr dirty="0"/>
+          </a:p>
+        </p:txBody>
+      </p:sp>
+    </p:spTree>
+    <p:extLst>
+      <p:ext uri="{BB962C8B-B14F-4D97-AF65-F5344CB8AC3E}">
+        <p14:creationId xmlns:p14="http://schemas.microsoft.com/office/powerpoint/2010/main" val="1652453013"/>
+      </p:ext>
+    </p:extLst>
   </p:cSld>
   <p:clrMapOvr>
     <a:masterClrMapping/>
@@ -11511,36 +11625,6 @@
           </p:sp>
         </mc:Fallback>
       </mc:AlternateContent>
-      <p:pic>
-        <p:nvPicPr>
-          <p:cNvPr id="52" name="Picture 51" descr="A black background with a black square&#10;&#10;Description automatically generated with medium confidence">
-            <a:extLst>
-              <a:ext uri="{FF2B5EF4-FFF2-40B4-BE49-F238E27FC236}">
-                <a16:creationId xmlns:a16="http://schemas.microsoft.com/office/drawing/2014/main" id="{BF228A5B-52CA-FCED-A5D9-18893472C826}"/>
-              </a:ext>
-            </a:extLst>
-          </p:cNvPr>
-          <p:cNvPicPr>
-            <a:picLocks noChangeAspect="1"/>
-          </p:cNvPicPr>
-          <p:nvPr/>
-        </p:nvPicPr>
-        <p:blipFill>
-          <a:blip r:embed="rId16"/>
-          <a:stretch>
-            <a:fillRect/>
-          </a:stretch>
-        </p:blipFill>
-        <p:spPr>
-          <a:xfrm>
-            <a:off x="37421183" y="25010736"/>
-            <a:ext cx="3764179" cy="3764179"/>
-          </a:xfrm>
-          <a:prstGeom prst="rect">
-            <a:avLst/>
-          </a:prstGeom>
-        </p:spPr>
-      </p:pic>
       <p:sp>
         <p:nvSpPr>
           <p:cNvPr id="53" name="Rectangle 52">
@@ -11667,7 +11751,7 @@
           <p:nvPr/>
         </p:nvPicPr>
         <p:blipFill>
-          <a:blip r:embed="rId17"/>
+          <a:blip r:embed="rId16"/>
           <a:stretch>
             <a:fillRect/>
           </a:stretch>
@@ -11697,7 +11781,7 @@
           <p:nvPr/>
         </p:nvPicPr>
         <p:blipFill>
-          <a:blip r:embed="rId18"/>
+          <a:blip r:embed="rId17"/>
           <a:stretch>
             <a:fillRect/>
           </a:stretch>
@@ -11712,7 +11796,3012 @@
           </a:prstGeom>
         </p:spPr>
       </p:pic>
+      <p:pic>
+        <p:nvPicPr>
+          <p:cNvPr id="15" name="Picture 14" descr="A qr code with a white background&#10;&#10;Description automatically generated">
+            <a:extLst>
+              <a:ext uri="{FF2B5EF4-FFF2-40B4-BE49-F238E27FC236}">
+                <a16:creationId xmlns:a16="http://schemas.microsoft.com/office/drawing/2014/main" id="{2ECD3662-D17C-9E51-5E3F-035BC14D8837}"/>
+              </a:ext>
+            </a:extLst>
+          </p:cNvPr>
+          <p:cNvPicPr>
+            <a:picLocks noChangeAspect="1"/>
+          </p:cNvPicPr>
+          <p:nvPr/>
+        </p:nvPicPr>
+        <p:blipFill>
+          <a:blip r:embed="rId18"/>
+          <a:stretch>
+            <a:fillRect/>
+          </a:stretch>
+        </p:blipFill>
+        <p:spPr>
+          <a:xfrm>
+            <a:off x="37571695" y="25180211"/>
+            <a:ext cx="3828664" cy="3828664"/>
+          </a:xfrm>
+          <a:prstGeom prst="rect">
+            <a:avLst/>
+          </a:prstGeom>
+        </p:spPr>
+      </p:pic>
     </p:spTree>
+  </p:cSld>
+  <p:clrMapOvr>
+    <a:masterClrMapping/>
+  </p:clrMapOvr>
+</p:sld>
+</file>
+
+<file path=ppt/slides/slide2.xml><?xml version="1.0" encoding="utf-8"?>
+<p:sld xmlns:a="http://schemas.openxmlformats.org/drawingml/2006/main" xmlns:r="http://schemas.openxmlformats.org/officeDocument/2006/relationships" xmlns:p="http://schemas.openxmlformats.org/presentationml/2006/main">
+  <p:cSld>
+    <p:bg>
+      <p:bgPr>
+        <a:solidFill>
+          <a:srgbClr val="EEF8FF"/>
+        </a:solidFill>
+        <a:effectLst/>
+      </p:bgPr>
+    </p:bg>
+    <p:spTree>
+      <p:nvGrpSpPr>
+        <p:cNvPr id="1" name="Shape 53"/>
+        <p:cNvGrpSpPr/>
+        <p:nvPr/>
+      </p:nvGrpSpPr>
+      <p:grpSpPr>
+        <a:xfrm>
+          <a:off x="0" y="0"/>
+          <a:ext cx="0" cy="0"/>
+          <a:chOff x="0" y="0"/>
+          <a:chExt cx="0" cy="0"/>
+        </a:xfrm>
+      </p:grpSpPr>
+      <p:sp>
+        <p:nvSpPr>
+          <p:cNvPr id="61" name="Google Shape;61;p13"/>
+          <p:cNvSpPr/>
+          <p:nvPr/>
+        </p:nvSpPr>
+        <p:spPr>
+          <a:xfrm>
+            <a:off x="7015201" y="1344494"/>
+            <a:ext cx="30211800" cy="1426800"/>
+          </a:xfrm>
+          <a:prstGeom prst="rect">
+            <a:avLst/>
+          </a:prstGeom>
+          <a:solidFill>
+            <a:srgbClr val="573164"/>
+          </a:solidFill>
+          <a:ln>
+            <a:noFill/>
+          </a:ln>
+        </p:spPr>
+        <p:txBody>
+          <a:bodyPr spcFirstLastPara="1" wrap="square" lIns="91425" tIns="91425" rIns="91425" bIns="91425" anchor="ctr" anchorCtr="0">
+            <a:noAutofit/>
+          </a:bodyPr>
+          <a:lstStyle/>
+          <a:p>
+            <a:pPr marL="0" lvl="0" indent="0" algn="ctr" rtl="0">
+              <a:spcBef>
+                <a:spcPts val="0"/>
+              </a:spcBef>
+              <a:spcAft>
+                <a:spcPts val="0"/>
+              </a:spcAft>
+              <a:buNone/>
+            </a:pPr>
+            <a:r>
+              <a:rPr lang="en" sz="7000">
+                <a:solidFill>
+                  <a:srgbClr val="EEF8FF"/>
+                </a:solidFill>
+                <a:latin typeface="Roboto Condensed"/>
+                <a:ea typeface="Roboto Condensed"/>
+                <a:cs typeface="Roboto Condensed"/>
+                <a:sym typeface="Roboto Condensed"/>
+              </a:rPr>
+              <a:t>RESULTS</a:t>
+            </a:r>
+            <a:endParaRPr sz="7000">
+              <a:solidFill>
+                <a:srgbClr val="EEF8FF"/>
+              </a:solidFill>
+              <a:latin typeface="Roboto Condensed"/>
+              <a:ea typeface="Roboto Condensed"/>
+              <a:cs typeface="Roboto Condensed"/>
+              <a:sym typeface="Roboto Condensed"/>
+            </a:endParaRPr>
+          </a:p>
+        </p:txBody>
+      </p:sp>
+      <p:sp>
+        <p:nvSpPr>
+          <p:cNvPr id="84" name="Google Shape;84;p13"/>
+          <p:cNvSpPr txBox="1"/>
+          <p:nvPr/>
+        </p:nvSpPr>
+        <p:spPr>
+          <a:xfrm>
+            <a:off x="7015201" y="8602330"/>
+            <a:ext cx="10386338" cy="1415732"/>
+          </a:xfrm>
+          <a:prstGeom prst="rect">
+            <a:avLst/>
+          </a:prstGeom>
+          <a:noFill/>
+          <a:ln>
+            <a:noFill/>
+          </a:ln>
+        </p:spPr>
+        <p:txBody>
+          <a:bodyPr spcFirstLastPara="1" wrap="square" lIns="182875" tIns="274300" rIns="182875" bIns="274300" anchor="t" anchorCtr="0">
+            <a:spAutoFit/>
+          </a:bodyPr>
+          <a:lstStyle/>
+          <a:p>
+            <a:pPr marL="0" lvl="0" indent="0" algn="l" rtl="0">
+              <a:spcBef>
+                <a:spcPts val="0"/>
+              </a:spcBef>
+              <a:spcAft>
+                <a:spcPts val="0"/>
+              </a:spcAft>
+              <a:buNone/>
+            </a:pPr>
+            <a:r>
+              <a:rPr lang="en" sz="2800" b="1" dirty="0">
+                <a:latin typeface="Roboto"/>
+                <a:ea typeface="Roboto"/>
+                <a:cs typeface="Roboto"/>
+                <a:sym typeface="Roboto"/>
+              </a:rPr>
+              <a:t>Figure 1: Distribution of Show Premieres </a:t>
+            </a:r>
+            <a:r>
+              <a:rPr lang="en" sz="2800" dirty="0">
+                <a:latin typeface="Roboto"/>
+                <a:ea typeface="Roboto"/>
+                <a:cs typeface="Roboto"/>
+                <a:sym typeface="Roboto"/>
+              </a:rPr>
+              <a:t>The “will they or won’t they” trope has persisted from as early as the 1980s to today. </a:t>
+            </a:r>
+            <a:endParaRPr sz="2800" dirty="0">
+              <a:latin typeface="Roboto"/>
+              <a:ea typeface="Roboto"/>
+              <a:cs typeface="Roboto"/>
+              <a:sym typeface="Roboto"/>
+            </a:endParaRPr>
+          </a:p>
+        </p:txBody>
+      </p:sp>
+      <p:sp>
+        <p:nvSpPr>
+          <p:cNvPr id="18" name="Google Shape;84;p13">
+            <a:extLst>
+              <a:ext uri="{FF2B5EF4-FFF2-40B4-BE49-F238E27FC236}">
+                <a16:creationId xmlns:a16="http://schemas.microsoft.com/office/drawing/2014/main" id="{73DF9FE1-F983-DC67-A756-F3FA66CCF6C4}"/>
+              </a:ext>
+            </a:extLst>
+          </p:cNvPr>
+          <p:cNvSpPr txBox="1"/>
+          <p:nvPr/>
+        </p:nvSpPr>
+        <p:spPr>
+          <a:xfrm>
+            <a:off x="7015201" y="15075837"/>
+            <a:ext cx="10386338" cy="2277506"/>
+          </a:xfrm>
+          <a:prstGeom prst="rect">
+            <a:avLst/>
+          </a:prstGeom>
+          <a:noFill/>
+          <a:ln>
+            <a:noFill/>
+          </a:ln>
+        </p:spPr>
+        <p:txBody>
+          <a:bodyPr spcFirstLastPara="1" wrap="square" lIns="182875" tIns="274300" rIns="182875" bIns="274300" anchor="t" anchorCtr="0">
+            <a:spAutoFit/>
+          </a:bodyPr>
+          <a:lstStyle/>
+          <a:p>
+            <a:pPr marL="0" lvl="0" indent="0" algn="l" rtl="0">
+              <a:spcBef>
+                <a:spcPts val="0"/>
+              </a:spcBef>
+              <a:spcAft>
+                <a:spcPts val="0"/>
+              </a:spcAft>
+              <a:buNone/>
+            </a:pPr>
+            <a:r>
+              <a:rPr lang="en" sz="2800" b="1" dirty="0">
+                <a:latin typeface="Roboto"/>
+                <a:ea typeface="Roboto"/>
+                <a:cs typeface="Roboto"/>
+                <a:sym typeface="Roboto"/>
+              </a:rPr>
+              <a:t>Figure 2: Distribution of Kiss Times </a:t>
+            </a:r>
+            <a:r>
+              <a:rPr lang="en" sz="2800" dirty="0">
+                <a:latin typeface="Roboto"/>
+                <a:ea typeface="Roboto"/>
+                <a:cs typeface="Roboto"/>
+                <a:sym typeface="Roboto"/>
+              </a:rPr>
+              <a:t>Except for those premiering in the 1990s, most shows chose to cut the trope short. The couple from each decade with the median kiss time has their first kiss with over two-thirds of the show left to go.</a:t>
+            </a:r>
+            <a:endParaRPr sz="2800" dirty="0">
+              <a:latin typeface="Roboto"/>
+              <a:ea typeface="Roboto"/>
+              <a:cs typeface="Roboto"/>
+              <a:sym typeface="Roboto"/>
+            </a:endParaRPr>
+          </a:p>
+        </p:txBody>
+      </p:sp>
+      <p:sp>
+        <p:nvSpPr>
+          <p:cNvPr id="31" name="Google Shape;84;p13">
+            <a:extLst>
+              <a:ext uri="{FF2B5EF4-FFF2-40B4-BE49-F238E27FC236}">
+                <a16:creationId xmlns:a16="http://schemas.microsoft.com/office/drawing/2014/main" id="{01745804-74E9-D327-D12D-52E5040F5984}"/>
+              </a:ext>
+            </a:extLst>
+          </p:cNvPr>
+          <p:cNvSpPr txBox="1"/>
+          <p:nvPr/>
+        </p:nvSpPr>
+        <p:spPr>
+          <a:xfrm>
+            <a:off x="26579640" y="8872466"/>
+            <a:ext cx="10386337" cy="1846619"/>
+          </a:xfrm>
+          <a:prstGeom prst="rect">
+            <a:avLst/>
+          </a:prstGeom>
+          <a:noFill/>
+          <a:ln>
+            <a:noFill/>
+          </a:ln>
+        </p:spPr>
+        <p:txBody>
+          <a:bodyPr spcFirstLastPara="1" wrap="square" lIns="182875" tIns="274300" rIns="182875" bIns="274300" anchor="t" anchorCtr="0">
+            <a:spAutoFit/>
+          </a:bodyPr>
+          <a:lstStyle/>
+          <a:p>
+            <a:pPr marL="0" lvl="0" indent="0" algn="just" rtl="0">
+              <a:spcBef>
+                <a:spcPts val="0"/>
+              </a:spcBef>
+              <a:spcAft>
+                <a:spcPts val="0"/>
+              </a:spcAft>
+              <a:buNone/>
+            </a:pPr>
+            <a:r>
+              <a:rPr lang="en" sz="2800" b="1" dirty="0">
+                <a:latin typeface="Roboto"/>
+                <a:ea typeface="Roboto"/>
+                <a:cs typeface="Roboto"/>
+                <a:sym typeface="Roboto"/>
+              </a:rPr>
+              <a:t>Figure 3: ITS Model Results </a:t>
+            </a:r>
+            <a:r>
+              <a:rPr lang="en" sz="2800" dirty="0">
+                <a:latin typeface="Roboto"/>
+                <a:ea typeface="Roboto"/>
+                <a:cs typeface="Roboto"/>
+                <a:sym typeface="Roboto"/>
+              </a:rPr>
+              <a:t>After the first kiss airs, the ratings decrease on average. This trend persists both at the show level (above) and overall (below).</a:t>
+            </a:r>
+          </a:p>
+        </p:txBody>
+      </p:sp>
+      <mc:AlternateContent xmlns:mc="http://schemas.openxmlformats.org/markup-compatibility/2006" xmlns:a14="http://schemas.microsoft.com/office/drawing/2010/main">
+        <mc:Choice Requires="a14">
+          <p:graphicFrame>
+            <p:nvGraphicFramePr>
+              <p:cNvPr id="9" name="Table 8">
+                <a:extLst>
+                  <a:ext uri="{FF2B5EF4-FFF2-40B4-BE49-F238E27FC236}">
+                    <a16:creationId xmlns:a16="http://schemas.microsoft.com/office/drawing/2014/main" id="{2B43A5EE-A500-92B7-B1CA-D3115793C9C4}"/>
+                  </a:ext>
+                </a:extLst>
+              </p:cNvPr>
+              <p:cNvGraphicFramePr>
+                <a:graphicFrameLocks noGrp="1"/>
+              </p:cNvGraphicFramePr>
+              <p:nvPr>
+                <p:extLst>
+                  <p:ext uri="{D42A27DB-BD31-4B8C-83A1-F6EECF244321}">
+                    <p14:modId xmlns:p14="http://schemas.microsoft.com/office/powerpoint/2010/main" val="3402086865"/>
+                  </p:ext>
+                </p:extLst>
+              </p:nvPr>
+            </p:nvGraphicFramePr>
+            <p:xfrm>
+              <a:off x="18457311" y="4061344"/>
+              <a:ext cx="6858000" cy="3107944"/>
+            </p:xfrm>
+            <a:graphic>
+              <a:graphicData uri="http://schemas.openxmlformats.org/drawingml/2006/table">
+                <a:tbl>
+                  <a:tblPr firstRow="1" bandRow="1">
+                    <a:tableStyleId>{5C22544A-7EE6-4342-B048-85BDC9FD1C3A}</a:tableStyleId>
+                  </a:tblPr>
+                  <a:tblGrid>
+                    <a:gridCol w="948043">
+                      <a:extLst>
+                        <a:ext uri="{9D8B030D-6E8A-4147-A177-3AD203B41FA5}">
+                          <a16:colId xmlns:a16="http://schemas.microsoft.com/office/drawing/2014/main" val="3616650262"/>
+                        </a:ext>
+                      </a:extLst>
+                    </a:gridCol>
+                    <a:gridCol w="2336800">
+                      <a:extLst>
+                        <a:ext uri="{9D8B030D-6E8A-4147-A177-3AD203B41FA5}">
+                          <a16:colId xmlns:a16="http://schemas.microsoft.com/office/drawing/2014/main" val="3605630075"/>
+                        </a:ext>
+                      </a:extLst>
+                    </a:gridCol>
+                    <a:gridCol w="3573157">
+                      <a:extLst>
+                        <a:ext uri="{9D8B030D-6E8A-4147-A177-3AD203B41FA5}">
+                          <a16:colId xmlns:a16="http://schemas.microsoft.com/office/drawing/2014/main" val="1138396891"/>
+                        </a:ext>
+                      </a:extLst>
+                    </a:gridCol>
+                  </a:tblGrid>
+                  <a:tr h="370840">
+                    <a:tc>
+                      <a:txBody>
+                        <a:bodyPr/>
+                        <a:lstStyle/>
+                        <a:p>
+                          <a:pPr algn="ctr"/>
+                          <a:endParaRPr lang="en-US" sz="2800" dirty="0">
+                            <a:latin typeface="Roboto" panose="02000000000000000000" pitchFamily="2" charset="0"/>
+                            <a:ea typeface="Roboto" panose="02000000000000000000" pitchFamily="2" charset="0"/>
+                            <a:cs typeface="Roboto" panose="02000000000000000000" pitchFamily="2" charset="0"/>
+                          </a:endParaRPr>
+                        </a:p>
+                      </a:txBody>
+                      <a:tcPr>
+                        <a:solidFill>
+                          <a:srgbClr val="573164"/>
+                        </a:solidFill>
+                      </a:tcPr>
+                    </a:tc>
+                    <a:tc>
+                      <a:txBody>
+                        <a:bodyPr/>
+                        <a:lstStyle/>
+                        <a:p>
+                          <a:pPr algn="ctr"/>
+                          <a:r>
+                            <a:rPr lang="en-US" sz="2800" dirty="0">
+                              <a:latin typeface="Roboto" panose="02000000000000000000" pitchFamily="2" charset="0"/>
+                              <a:ea typeface="Roboto" panose="02000000000000000000" pitchFamily="2" charset="0"/>
+                              <a:cs typeface="Roboto" panose="02000000000000000000" pitchFamily="2" charset="0"/>
+                            </a:rPr>
+                            <a:t>Estimate</a:t>
+                          </a:r>
+                        </a:p>
+                      </a:txBody>
+                      <a:tcPr>
+                        <a:solidFill>
+                          <a:srgbClr val="573164"/>
+                        </a:solidFill>
+                      </a:tcPr>
+                    </a:tc>
+                    <a:tc>
+                      <a:txBody>
+                        <a:bodyPr/>
+                        <a:lstStyle/>
+                        <a:p>
+                          <a:pPr algn="ctr"/>
+                          <a:r>
+                            <a:rPr lang="en-US" sz="2800" dirty="0">
+                              <a:latin typeface="Roboto" panose="02000000000000000000" pitchFamily="2" charset="0"/>
+                              <a:ea typeface="Roboto" panose="02000000000000000000" pitchFamily="2" charset="0"/>
+                              <a:cs typeface="Roboto" panose="02000000000000000000" pitchFamily="2" charset="0"/>
+                            </a:rPr>
+                            <a:t>95% Confidence Interval</a:t>
+                          </a:r>
+                        </a:p>
+                      </a:txBody>
+                      <a:tcPr>
+                        <a:solidFill>
+                          <a:srgbClr val="573164"/>
+                        </a:solidFill>
+                      </a:tcPr>
+                    </a:tc>
+                    <a:extLst>
+                      <a:ext uri="{0D108BD9-81ED-4DB2-BD59-A6C34878D82A}">
+                        <a16:rowId xmlns:a16="http://schemas.microsoft.com/office/drawing/2014/main" val="2924167112"/>
+                      </a:ext>
+                    </a:extLst>
+                  </a:tr>
+                  <a:tr h="370840">
+                    <a:tc>
+                      <a:txBody>
+                        <a:bodyPr/>
+                        <a:lstStyle/>
+                        <a:p>
+                          <a:pPr algn="ctr"/>
+                          <a14:m>
+                            <m:oMathPara xmlns:m="http://schemas.openxmlformats.org/officeDocument/2006/math">
+                              <m:oMathParaPr>
+                                <m:jc m:val="centerGroup"/>
+                              </m:oMathParaPr>
+                              <m:oMath xmlns:m="http://schemas.openxmlformats.org/officeDocument/2006/math">
+                                <m:acc>
+                                  <m:accPr>
+                                    <m:chr m:val="̂"/>
+                                    <m:ctrlPr>
+                                      <a:rPr lang="en-US" sz="2800" i="1" smtClean="0">
+                                        <a:latin typeface="Cambria Math" panose="02040503050406030204" pitchFamily="18" charset="0"/>
+                                        <a:ea typeface="Roboto" panose="02000000000000000000" pitchFamily="2" charset="0"/>
+                                        <a:cs typeface="Roboto" panose="02000000000000000000" pitchFamily="2" charset="0"/>
+                                      </a:rPr>
+                                    </m:ctrlPr>
+                                  </m:accPr>
+                                  <m:e>
+                                    <m:sSub>
+                                      <m:sSubPr>
+                                        <m:ctrlPr>
+                                          <a:rPr lang="en-US" sz="2800" i="1" smtClean="0">
+                                            <a:latin typeface="Cambria Math" panose="02040503050406030204" pitchFamily="18" charset="0"/>
+                                            <a:ea typeface="Roboto" panose="02000000000000000000" pitchFamily="2" charset="0"/>
+                                            <a:cs typeface="Roboto" panose="02000000000000000000" pitchFamily="2" charset="0"/>
+                                          </a:rPr>
+                                        </m:ctrlPr>
+                                      </m:sSubPr>
+                                      <m:e>
+                                        <m:r>
+                                          <a:rPr lang="en-US" sz="2800" i="1" smtClean="0">
+                                            <a:latin typeface="Cambria Math" panose="02040503050406030204" pitchFamily="18" charset="0"/>
+                                            <a:ea typeface="Cambria Math" panose="02040503050406030204" pitchFamily="18" charset="0"/>
+                                            <a:cs typeface="Roboto" panose="02000000000000000000" pitchFamily="2" charset="0"/>
+                                          </a:rPr>
+                                          <m:t>𝛽</m:t>
+                                        </m:r>
+                                      </m:e>
+                                      <m:sub>
+                                        <m:r>
+                                          <a:rPr lang="en-US" sz="2800" b="0" i="1" smtClean="0">
+                                            <a:latin typeface="Cambria Math" panose="02040503050406030204" pitchFamily="18" charset="0"/>
+                                            <a:ea typeface="Roboto" panose="02000000000000000000" pitchFamily="2" charset="0"/>
+                                            <a:cs typeface="Roboto" panose="02000000000000000000" pitchFamily="2" charset="0"/>
+                                          </a:rPr>
+                                          <m:t>0</m:t>
+                                        </m:r>
+                                      </m:sub>
+                                    </m:sSub>
+                                  </m:e>
+                                </m:acc>
+                              </m:oMath>
+                            </m:oMathPara>
+                          </a14:m>
+                          <a:endParaRPr lang="en-US" sz="2800" dirty="0">
+                            <a:latin typeface="Roboto" panose="02000000000000000000" pitchFamily="2" charset="0"/>
+                            <a:ea typeface="Roboto" panose="02000000000000000000" pitchFamily="2" charset="0"/>
+                            <a:cs typeface="Roboto" panose="02000000000000000000" pitchFamily="2" charset="0"/>
+                          </a:endParaRPr>
+                        </a:p>
+                      </a:txBody>
+                      <a:tcPr>
+                        <a:solidFill>
+                          <a:srgbClr val="E1AAF3"/>
+                        </a:solidFill>
+                      </a:tcPr>
+                    </a:tc>
+                    <a:tc>
+                      <a:txBody>
+                        <a:bodyPr/>
+                        <a:lstStyle/>
+                        <a:p>
+                          <a:pPr algn="ctr"/>
+                          <a:r>
+                            <a:rPr lang="en-US" sz="2800" dirty="0">
+                              <a:latin typeface="Roboto" panose="02000000000000000000" pitchFamily="2" charset="0"/>
+                              <a:ea typeface="Roboto" panose="02000000000000000000" pitchFamily="2" charset="0"/>
+                              <a:cs typeface="Roboto" panose="02000000000000000000" pitchFamily="2" charset="0"/>
+                            </a:rPr>
+                            <a:t>7.78</a:t>
+                          </a:r>
+                        </a:p>
+                      </a:txBody>
+                      <a:tcPr>
+                        <a:solidFill>
+                          <a:srgbClr val="E1AAF3"/>
+                        </a:solidFill>
+                      </a:tcPr>
+                    </a:tc>
+                    <a:tc>
+                      <a:txBody>
+                        <a:bodyPr/>
+                        <a:lstStyle/>
+                        <a:p>
+                          <a:pPr algn="ctr"/>
+                          <a:r>
+                            <a:rPr lang="en-US" sz="2800" dirty="0">
+                              <a:latin typeface="Roboto" panose="02000000000000000000" pitchFamily="2" charset="0"/>
+                              <a:ea typeface="Roboto" panose="02000000000000000000" pitchFamily="2" charset="0"/>
+                              <a:cs typeface="Roboto" panose="02000000000000000000" pitchFamily="2" charset="0"/>
+                            </a:rPr>
+                            <a:t>(7.54, 8.06)</a:t>
+                          </a:r>
+                        </a:p>
+                      </a:txBody>
+                      <a:tcPr>
+                        <a:solidFill>
+                          <a:srgbClr val="E1AAF3"/>
+                        </a:solidFill>
+                      </a:tcPr>
+                    </a:tc>
+                    <a:extLst>
+                      <a:ext uri="{0D108BD9-81ED-4DB2-BD59-A6C34878D82A}">
+                        <a16:rowId xmlns:a16="http://schemas.microsoft.com/office/drawing/2014/main" val="3318367615"/>
+                      </a:ext>
+                    </a:extLst>
+                  </a:tr>
+                  <a:tr h="370840">
+                    <a:tc>
+                      <a:txBody>
+                        <a:bodyPr/>
+                        <a:lstStyle/>
+                        <a:p>
+                          <a:pPr algn="ctr"/>
+                          <a14:m>
+                            <m:oMathPara xmlns:m="http://schemas.openxmlformats.org/officeDocument/2006/math">
+                              <m:oMathParaPr>
+                                <m:jc m:val="centerGroup"/>
+                              </m:oMathParaPr>
+                              <m:oMath xmlns:m="http://schemas.openxmlformats.org/officeDocument/2006/math">
+                                <m:acc>
+                                  <m:accPr>
+                                    <m:chr m:val="̂"/>
+                                    <m:ctrlPr>
+                                      <a:rPr lang="en-US" sz="2800" i="1" smtClean="0">
+                                        <a:latin typeface="Cambria Math" panose="02040503050406030204" pitchFamily="18" charset="0"/>
+                                        <a:ea typeface="Roboto" panose="02000000000000000000" pitchFamily="2" charset="0"/>
+                                        <a:cs typeface="Roboto" panose="02000000000000000000" pitchFamily="2" charset="0"/>
+                                      </a:rPr>
+                                    </m:ctrlPr>
+                                  </m:accPr>
+                                  <m:e>
+                                    <m:sSub>
+                                      <m:sSubPr>
+                                        <m:ctrlPr>
+                                          <a:rPr lang="en-US" sz="2800" i="1" smtClean="0">
+                                            <a:latin typeface="Cambria Math" panose="02040503050406030204" pitchFamily="18" charset="0"/>
+                                            <a:ea typeface="Roboto" panose="02000000000000000000" pitchFamily="2" charset="0"/>
+                                            <a:cs typeface="Roboto" panose="02000000000000000000" pitchFamily="2" charset="0"/>
+                                          </a:rPr>
+                                        </m:ctrlPr>
+                                      </m:sSubPr>
+                                      <m:e>
+                                        <m:r>
+                                          <a:rPr lang="en-US" sz="2800" i="1" smtClean="0">
+                                            <a:latin typeface="Cambria Math" panose="02040503050406030204" pitchFamily="18" charset="0"/>
+                                            <a:ea typeface="Cambria Math" panose="02040503050406030204" pitchFamily="18" charset="0"/>
+                                            <a:cs typeface="Roboto" panose="02000000000000000000" pitchFamily="2" charset="0"/>
+                                          </a:rPr>
+                                          <m:t>𝛽</m:t>
+                                        </m:r>
+                                      </m:e>
+                                      <m:sub>
+                                        <m:r>
+                                          <a:rPr lang="en-US" sz="2800" b="0" i="1" smtClean="0">
+                                            <a:latin typeface="Cambria Math" panose="02040503050406030204" pitchFamily="18" charset="0"/>
+                                            <a:ea typeface="Cambria Math" panose="02040503050406030204" pitchFamily="18" charset="0"/>
+                                            <a:cs typeface="Roboto" panose="02000000000000000000" pitchFamily="2" charset="0"/>
+                                          </a:rPr>
+                                          <m:t>1</m:t>
+                                        </m:r>
+                                      </m:sub>
+                                    </m:sSub>
+                                  </m:e>
+                                </m:acc>
+                              </m:oMath>
+                            </m:oMathPara>
+                          </a14:m>
+                          <a:endParaRPr lang="en-US" sz="2800" dirty="0">
+                            <a:latin typeface="Roboto" panose="02000000000000000000" pitchFamily="2" charset="0"/>
+                            <a:ea typeface="Roboto" panose="02000000000000000000" pitchFamily="2" charset="0"/>
+                            <a:cs typeface="Roboto" panose="02000000000000000000" pitchFamily="2" charset="0"/>
+                          </a:endParaRPr>
+                        </a:p>
+                      </a:txBody>
+                      <a:tcPr>
+                        <a:solidFill>
+                          <a:srgbClr val="E1AAF3"/>
+                        </a:solidFill>
+                      </a:tcPr>
+                    </a:tc>
+                    <a:tc>
+                      <a:txBody>
+                        <a:bodyPr/>
+                        <a:lstStyle/>
+                        <a:p>
+                          <a:pPr algn="ctr"/>
+                          <a:r>
+                            <a:rPr lang="en-US" sz="2800" dirty="0">
+                              <a:latin typeface="Roboto" panose="02000000000000000000" pitchFamily="2" charset="0"/>
+                              <a:ea typeface="Roboto" panose="02000000000000000000" pitchFamily="2" charset="0"/>
+                              <a:cs typeface="Roboto" panose="02000000000000000000" pitchFamily="2" charset="0"/>
+                            </a:rPr>
+                            <a:t>0.01</a:t>
+                          </a:r>
+                        </a:p>
+                      </a:txBody>
+                      <a:tcPr>
+                        <a:solidFill>
+                          <a:srgbClr val="E1AAF3"/>
+                        </a:solidFill>
+                      </a:tcPr>
+                    </a:tc>
+                    <a:tc>
+                      <a:txBody>
+                        <a:bodyPr/>
+                        <a:lstStyle/>
+                        <a:p>
+                          <a:pPr algn="ctr"/>
+                          <a:r>
+                            <a:rPr lang="en-US" sz="2800" dirty="0">
+                              <a:latin typeface="Roboto" panose="02000000000000000000" pitchFamily="2" charset="0"/>
+                              <a:ea typeface="Roboto" panose="02000000000000000000" pitchFamily="2" charset="0"/>
+                              <a:cs typeface="Roboto" panose="02000000000000000000" pitchFamily="2" charset="0"/>
+                            </a:rPr>
+                            <a:t>(0.00, 0.02)</a:t>
+                          </a:r>
+                        </a:p>
+                      </a:txBody>
+                      <a:tcPr>
+                        <a:solidFill>
+                          <a:srgbClr val="E1AAF3"/>
+                        </a:solidFill>
+                      </a:tcPr>
+                    </a:tc>
+                    <a:extLst>
+                      <a:ext uri="{0D108BD9-81ED-4DB2-BD59-A6C34878D82A}">
+                        <a16:rowId xmlns:a16="http://schemas.microsoft.com/office/drawing/2014/main" val="360183572"/>
+                      </a:ext>
+                    </a:extLst>
+                  </a:tr>
+                  <a:tr h="370840">
+                    <a:tc>
+                      <a:txBody>
+                        <a:bodyPr/>
+                        <a:lstStyle/>
+                        <a:p>
+                          <a:pPr algn="ctr"/>
+                          <a14:m>
+                            <m:oMathPara xmlns:m="http://schemas.openxmlformats.org/officeDocument/2006/math">
+                              <m:oMathParaPr>
+                                <m:jc m:val="centerGroup"/>
+                              </m:oMathParaPr>
+                              <m:oMath xmlns:m="http://schemas.openxmlformats.org/officeDocument/2006/math">
+                                <m:acc>
+                                  <m:accPr>
+                                    <m:chr m:val="̂"/>
+                                    <m:ctrlPr>
+                                      <a:rPr lang="en-US" sz="2800" i="1" smtClean="0">
+                                        <a:latin typeface="Cambria Math" panose="02040503050406030204" pitchFamily="18" charset="0"/>
+                                        <a:ea typeface="Roboto" panose="02000000000000000000" pitchFamily="2" charset="0"/>
+                                        <a:cs typeface="Roboto" panose="02000000000000000000" pitchFamily="2" charset="0"/>
+                                      </a:rPr>
+                                    </m:ctrlPr>
+                                  </m:accPr>
+                                  <m:e>
+                                    <m:sSub>
+                                      <m:sSubPr>
+                                        <m:ctrlPr>
+                                          <a:rPr lang="en-US" sz="2800" i="1" smtClean="0">
+                                            <a:latin typeface="Cambria Math" panose="02040503050406030204" pitchFamily="18" charset="0"/>
+                                            <a:ea typeface="Roboto" panose="02000000000000000000" pitchFamily="2" charset="0"/>
+                                            <a:cs typeface="Roboto" panose="02000000000000000000" pitchFamily="2" charset="0"/>
+                                          </a:rPr>
+                                        </m:ctrlPr>
+                                      </m:sSubPr>
+                                      <m:e>
+                                        <m:r>
+                                          <a:rPr lang="en-US" sz="2800" i="1" smtClean="0">
+                                            <a:latin typeface="Cambria Math" panose="02040503050406030204" pitchFamily="18" charset="0"/>
+                                            <a:ea typeface="Cambria Math" panose="02040503050406030204" pitchFamily="18" charset="0"/>
+                                            <a:cs typeface="Roboto" panose="02000000000000000000" pitchFamily="2" charset="0"/>
+                                          </a:rPr>
+                                          <m:t>𝛽</m:t>
+                                        </m:r>
+                                      </m:e>
+                                      <m:sub>
+                                        <m:r>
+                                          <a:rPr lang="en-US" sz="2800" b="0" i="1" smtClean="0">
+                                            <a:latin typeface="Cambria Math" panose="02040503050406030204" pitchFamily="18" charset="0"/>
+                                            <a:ea typeface="Cambria Math" panose="02040503050406030204" pitchFamily="18" charset="0"/>
+                                            <a:cs typeface="Roboto" panose="02000000000000000000" pitchFamily="2" charset="0"/>
+                                          </a:rPr>
+                                          <m:t>2</m:t>
+                                        </m:r>
+                                      </m:sub>
+                                    </m:sSub>
+                                  </m:e>
+                                </m:acc>
+                              </m:oMath>
+                            </m:oMathPara>
+                          </a14:m>
+                          <a:endParaRPr lang="en-US" sz="2800" dirty="0">
+                            <a:latin typeface="Roboto" panose="02000000000000000000" pitchFamily="2" charset="0"/>
+                            <a:ea typeface="Roboto" panose="02000000000000000000" pitchFamily="2" charset="0"/>
+                            <a:cs typeface="Roboto" panose="02000000000000000000" pitchFamily="2" charset="0"/>
+                          </a:endParaRPr>
+                        </a:p>
+                      </a:txBody>
+                      <a:tcPr>
+                        <a:solidFill>
+                          <a:srgbClr val="E1AAF3"/>
+                        </a:solidFill>
+                      </a:tcPr>
+                    </a:tc>
+                    <a:tc>
+                      <a:txBody>
+                        <a:bodyPr/>
+                        <a:lstStyle/>
+                        <a:p>
+                          <a:pPr algn="ctr"/>
+                          <a:r>
+                            <a:rPr lang="en-US" sz="2800" dirty="0">
+                              <a:latin typeface="Roboto" panose="02000000000000000000" pitchFamily="2" charset="0"/>
+                              <a:ea typeface="Roboto" panose="02000000000000000000" pitchFamily="2" charset="0"/>
+                              <a:cs typeface="Roboto" panose="02000000000000000000" pitchFamily="2" charset="0"/>
+                            </a:rPr>
+                            <a:t>-0.10</a:t>
+                          </a:r>
+                        </a:p>
+                      </a:txBody>
+                      <a:tcPr>
+                        <a:solidFill>
+                          <a:srgbClr val="E1AAF3"/>
+                        </a:solidFill>
+                      </a:tcPr>
+                    </a:tc>
+                    <a:tc>
+                      <a:txBody>
+                        <a:bodyPr/>
+                        <a:lstStyle/>
+                        <a:p>
+                          <a:pPr algn="ctr"/>
+                          <a:r>
+                            <a:rPr lang="en-US" sz="2800" dirty="0">
+                              <a:latin typeface="Roboto" panose="02000000000000000000" pitchFamily="2" charset="0"/>
+                              <a:ea typeface="Roboto" panose="02000000000000000000" pitchFamily="2" charset="0"/>
+                              <a:cs typeface="Roboto" panose="02000000000000000000" pitchFamily="2" charset="0"/>
+                            </a:rPr>
+                            <a:t>(-0.41, 0.21)</a:t>
+                          </a:r>
+                        </a:p>
+                      </a:txBody>
+                      <a:tcPr>
+                        <a:solidFill>
+                          <a:srgbClr val="E1AAF3"/>
+                        </a:solidFill>
+                      </a:tcPr>
+                    </a:tc>
+                    <a:extLst>
+                      <a:ext uri="{0D108BD9-81ED-4DB2-BD59-A6C34878D82A}">
+                        <a16:rowId xmlns:a16="http://schemas.microsoft.com/office/drawing/2014/main" val="881442553"/>
+                      </a:ext>
+                    </a:extLst>
+                  </a:tr>
+                  <a:tr h="370840">
+                    <a:tc>
+                      <a:txBody>
+                        <a:bodyPr/>
+                        <a:lstStyle/>
+                        <a:p>
+                          <a:pPr algn="ctr"/>
+                          <a14:m>
+                            <m:oMathPara xmlns:m="http://schemas.openxmlformats.org/officeDocument/2006/math">
+                              <m:oMathParaPr>
+                                <m:jc m:val="centerGroup"/>
+                              </m:oMathParaPr>
+                              <m:oMath xmlns:m="http://schemas.openxmlformats.org/officeDocument/2006/math">
+                                <m:acc>
+                                  <m:accPr>
+                                    <m:chr m:val="̂"/>
+                                    <m:ctrlPr>
+                                      <a:rPr lang="en-US" sz="2800" i="1" smtClean="0">
+                                        <a:latin typeface="Cambria Math" panose="02040503050406030204" pitchFamily="18" charset="0"/>
+                                        <a:ea typeface="Roboto" panose="02000000000000000000" pitchFamily="2" charset="0"/>
+                                        <a:cs typeface="Roboto" panose="02000000000000000000" pitchFamily="2" charset="0"/>
+                                      </a:rPr>
+                                    </m:ctrlPr>
+                                  </m:accPr>
+                                  <m:e>
+                                    <m:sSub>
+                                      <m:sSubPr>
+                                        <m:ctrlPr>
+                                          <a:rPr lang="en-US" sz="2800" i="1" smtClean="0">
+                                            <a:latin typeface="Cambria Math" panose="02040503050406030204" pitchFamily="18" charset="0"/>
+                                            <a:ea typeface="Roboto" panose="02000000000000000000" pitchFamily="2" charset="0"/>
+                                            <a:cs typeface="Roboto" panose="02000000000000000000" pitchFamily="2" charset="0"/>
+                                          </a:rPr>
+                                        </m:ctrlPr>
+                                      </m:sSubPr>
+                                      <m:e>
+                                        <m:r>
+                                          <a:rPr lang="en-US" sz="2800" i="1" smtClean="0">
+                                            <a:latin typeface="Cambria Math" panose="02040503050406030204" pitchFamily="18" charset="0"/>
+                                            <a:ea typeface="Cambria Math" panose="02040503050406030204" pitchFamily="18" charset="0"/>
+                                            <a:cs typeface="Roboto" panose="02000000000000000000" pitchFamily="2" charset="0"/>
+                                          </a:rPr>
+                                          <m:t>𝛽</m:t>
+                                        </m:r>
+                                      </m:e>
+                                      <m:sub>
+                                        <m:r>
+                                          <a:rPr lang="en-US" sz="2800" b="0" i="1" smtClean="0">
+                                            <a:latin typeface="Cambria Math" panose="02040503050406030204" pitchFamily="18" charset="0"/>
+                                            <a:ea typeface="Cambria Math" panose="02040503050406030204" pitchFamily="18" charset="0"/>
+                                            <a:cs typeface="Roboto" panose="02000000000000000000" pitchFamily="2" charset="0"/>
+                                          </a:rPr>
+                                          <m:t>3</m:t>
+                                        </m:r>
+                                      </m:sub>
+                                    </m:sSub>
+                                  </m:e>
+                                </m:acc>
+                              </m:oMath>
+                            </m:oMathPara>
+                          </a14:m>
+                          <a:endParaRPr lang="en-US" sz="2800" dirty="0">
+                            <a:latin typeface="Roboto" panose="02000000000000000000" pitchFamily="2" charset="0"/>
+                            <a:ea typeface="Roboto" panose="02000000000000000000" pitchFamily="2" charset="0"/>
+                            <a:cs typeface="Roboto" panose="02000000000000000000" pitchFamily="2" charset="0"/>
+                          </a:endParaRPr>
+                        </a:p>
+                      </a:txBody>
+                      <a:tcPr>
+                        <a:solidFill>
+                          <a:srgbClr val="E1AAF3"/>
+                        </a:solidFill>
+                      </a:tcPr>
+                    </a:tc>
+                    <a:tc>
+                      <a:txBody>
+                        <a:bodyPr/>
+                        <a:lstStyle/>
+                        <a:p>
+                          <a:pPr algn="ctr"/>
+                          <a:r>
+                            <a:rPr lang="en-US" sz="2800" dirty="0">
+                              <a:latin typeface="Roboto" panose="02000000000000000000" pitchFamily="2" charset="0"/>
+                              <a:ea typeface="Roboto" panose="02000000000000000000" pitchFamily="2" charset="0"/>
+                              <a:cs typeface="Roboto" panose="02000000000000000000" pitchFamily="2" charset="0"/>
+                            </a:rPr>
+                            <a:t>-0.01</a:t>
+                          </a:r>
+                        </a:p>
+                      </a:txBody>
+                      <a:tcPr>
+                        <a:solidFill>
+                          <a:srgbClr val="E1AAF3"/>
+                        </a:solidFill>
+                      </a:tcPr>
+                    </a:tc>
+                    <a:tc>
+                      <a:txBody>
+                        <a:bodyPr/>
+                        <a:lstStyle/>
+                        <a:p>
+                          <a:pPr algn="ctr"/>
+                          <a:r>
+                            <a:rPr lang="en-US" sz="2800" dirty="0">
+                              <a:latin typeface="Roboto" panose="02000000000000000000" pitchFamily="2" charset="0"/>
+                              <a:ea typeface="Roboto" panose="02000000000000000000" pitchFamily="2" charset="0"/>
+                              <a:cs typeface="Roboto" panose="02000000000000000000" pitchFamily="2" charset="0"/>
+                            </a:rPr>
+                            <a:t>(-0.02, 0.00)</a:t>
+                          </a:r>
+                        </a:p>
+                      </a:txBody>
+                      <a:tcPr>
+                        <a:solidFill>
+                          <a:srgbClr val="E1AAF3"/>
+                        </a:solidFill>
+                      </a:tcPr>
+                    </a:tc>
+                    <a:extLst>
+                      <a:ext uri="{0D108BD9-81ED-4DB2-BD59-A6C34878D82A}">
+                        <a16:rowId xmlns:a16="http://schemas.microsoft.com/office/drawing/2014/main" val="2940754325"/>
+                      </a:ext>
+                    </a:extLst>
+                  </a:tr>
+                </a:tbl>
+              </a:graphicData>
+            </a:graphic>
+          </p:graphicFrame>
+        </mc:Choice>
+        <mc:Fallback xmlns="">
+          <p:graphicFrame>
+            <p:nvGraphicFramePr>
+              <p:cNvPr id="9" name="Table 8">
+                <a:extLst>
+                  <a:ext uri="{FF2B5EF4-FFF2-40B4-BE49-F238E27FC236}">
+                    <a16:creationId xmlns:a16="http://schemas.microsoft.com/office/drawing/2014/main" id="{2B43A5EE-A500-92B7-B1CA-D3115793C9C4}"/>
+                  </a:ext>
+                </a:extLst>
+              </p:cNvPr>
+              <p:cNvGraphicFramePr>
+                <a:graphicFrameLocks noGrp="1"/>
+              </p:cNvGraphicFramePr>
+              <p:nvPr>
+                <p:extLst>
+                  <p:ext uri="{D42A27DB-BD31-4B8C-83A1-F6EECF244321}">
+                    <p14:modId xmlns:p14="http://schemas.microsoft.com/office/powerpoint/2010/main" val="3402086865"/>
+                  </p:ext>
+                </p:extLst>
+              </p:nvPr>
+            </p:nvGraphicFramePr>
+            <p:xfrm>
+              <a:off x="18457311" y="4061344"/>
+              <a:ext cx="6858000" cy="3107944"/>
+            </p:xfrm>
+            <a:graphic>
+              <a:graphicData uri="http://schemas.openxmlformats.org/drawingml/2006/table">
+                <a:tbl>
+                  <a:tblPr firstRow="1" bandRow="1">
+                    <a:tableStyleId>{5C22544A-7EE6-4342-B048-85BDC9FD1C3A}</a:tableStyleId>
+                  </a:tblPr>
+                  <a:tblGrid>
+                    <a:gridCol w="948043">
+                      <a:extLst>
+                        <a:ext uri="{9D8B030D-6E8A-4147-A177-3AD203B41FA5}">
+                          <a16:colId xmlns:a16="http://schemas.microsoft.com/office/drawing/2014/main" val="3616650262"/>
+                        </a:ext>
+                      </a:extLst>
+                    </a:gridCol>
+                    <a:gridCol w="2336800">
+                      <a:extLst>
+                        <a:ext uri="{9D8B030D-6E8A-4147-A177-3AD203B41FA5}">
+                          <a16:colId xmlns:a16="http://schemas.microsoft.com/office/drawing/2014/main" val="3605630075"/>
+                        </a:ext>
+                      </a:extLst>
+                    </a:gridCol>
+                    <a:gridCol w="3573157">
+                      <a:extLst>
+                        <a:ext uri="{9D8B030D-6E8A-4147-A177-3AD203B41FA5}">
+                          <a16:colId xmlns:a16="http://schemas.microsoft.com/office/drawing/2014/main" val="1138396891"/>
+                        </a:ext>
+                      </a:extLst>
+                    </a:gridCol>
+                  </a:tblGrid>
+                  <a:tr h="944880">
+                    <a:tc>
+                      <a:txBody>
+                        <a:bodyPr/>
+                        <a:lstStyle/>
+                        <a:p>
+                          <a:pPr algn="ctr"/>
+                          <a:endParaRPr lang="en-US" sz="2800" dirty="0">
+                            <a:latin typeface="Roboto" panose="02000000000000000000" pitchFamily="2" charset="0"/>
+                            <a:ea typeface="Roboto" panose="02000000000000000000" pitchFamily="2" charset="0"/>
+                            <a:cs typeface="Roboto" panose="02000000000000000000" pitchFamily="2" charset="0"/>
+                          </a:endParaRPr>
+                        </a:p>
+                      </a:txBody>
+                      <a:tcPr>
+                        <a:solidFill>
+                          <a:srgbClr val="573164"/>
+                        </a:solidFill>
+                      </a:tcPr>
+                    </a:tc>
+                    <a:tc>
+                      <a:txBody>
+                        <a:bodyPr/>
+                        <a:lstStyle/>
+                        <a:p>
+                          <a:pPr algn="ctr"/>
+                          <a:r>
+                            <a:rPr lang="en-US" sz="2800" dirty="0">
+                              <a:latin typeface="Roboto" panose="02000000000000000000" pitchFamily="2" charset="0"/>
+                              <a:ea typeface="Roboto" panose="02000000000000000000" pitchFamily="2" charset="0"/>
+                              <a:cs typeface="Roboto" panose="02000000000000000000" pitchFamily="2" charset="0"/>
+                            </a:rPr>
+                            <a:t>Estimate</a:t>
+                          </a:r>
+                        </a:p>
+                      </a:txBody>
+                      <a:tcPr>
+                        <a:solidFill>
+                          <a:srgbClr val="573164"/>
+                        </a:solidFill>
+                      </a:tcPr>
+                    </a:tc>
+                    <a:tc>
+                      <a:txBody>
+                        <a:bodyPr/>
+                        <a:lstStyle/>
+                        <a:p>
+                          <a:pPr algn="ctr"/>
+                          <a:r>
+                            <a:rPr lang="en-US" sz="2800" dirty="0">
+                              <a:latin typeface="Roboto" panose="02000000000000000000" pitchFamily="2" charset="0"/>
+                              <a:ea typeface="Roboto" panose="02000000000000000000" pitchFamily="2" charset="0"/>
+                              <a:cs typeface="Roboto" panose="02000000000000000000" pitchFamily="2" charset="0"/>
+                            </a:rPr>
+                            <a:t>95% Confidence Interval</a:t>
+                          </a:r>
+                        </a:p>
+                      </a:txBody>
+                      <a:tcPr>
+                        <a:solidFill>
+                          <a:srgbClr val="573164"/>
+                        </a:solidFill>
+                      </a:tcPr>
+                    </a:tc>
+                    <a:extLst>
+                      <a:ext uri="{0D108BD9-81ED-4DB2-BD59-A6C34878D82A}">
+                        <a16:rowId xmlns:a16="http://schemas.microsoft.com/office/drawing/2014/main" val="2924167112"/>
+                      </a:ext>
+                    </a:extLst>
+                  </a:tr>
+                  <a:tr h="540766">
+                    <a:tc>
+                      <a:txBody>
+                        <a:bodyPr/>
+                        <a:lstStyle/>
+                        <a:p>
+                          <a:endParaRPr lang="en-US"/>
+                        </a:p>
+                      </a:txBody>
+                      <a:tcPr>
+                        <a:blipFill>
+                          <a:blip r:embed="rId3"/>
+                          <a:stretch>
+                            <a:fillRect l="-1333" t="-186047" r="-624000" b="-325581"/>
+                          </a:stretch>
+                        </a:blipFill>
+                      </a:tcPr>
+                    </a:tc>
+                    <a:tc>
+                      <a:txBody>
+                        <a:bodyPr/>
+                        <a:lstStyle/>
+                        <a:p>
+                          <a:pPr algn="ctr"/>
+                          <a:r>
+                            <a:rPr lang="en-US" sz="2800" dirty="0">
+                              <a:latin typeface="Roboto" panose="02000000000000000000" pitchFamily="2" charset="0"/>
+                              <a:ea typeface="Roboto" panose="02000000000000000000" pitchFamily="2" charset="0"/>
+                              <a:cs typeface="Roboto" panose="02000000000000000000" pitchFamily="2" charset="0"/>
+                            </a:rPr>
+                            <a:t>7.78</a:t>
+                          </a:r>
+                        </a:p>
+                      </a:txBody>
+                      <a:tcPr>
+                        <a:solidFill>
+                          <a:srgbClr val="E1AAF3"/>
+                        </a:solidFill>
+                      </a:tcPr>
+                    </a:tc>
+                    <a:tc>
+                      <a:txBody>
+                        <a:bodyPr/>
+                        <a:lstStyle/>
+                        <a:p>
+                          <a:pPr algn="ctr"/>
+                          <a:r>
+                            <a:rPr lang="en-US" sz="2800" dirty="0">
+                              <a:latin typeface="Roboto" panose="02000000000000000000" pitchFamily="2" charset="0"/>
+                              <a:ea typeface="Roboto" panose="02000000000000000000" pitchFamily="2" charset="0"/>
+                              <a:cs typeface="Roboto" panose="02000000000000000000" pitchFamily="2" charset="0"/>
+                            </a:rPr>
+                            <a:t>(7.54, 8.06)</a:t>
+                          </a:r>
+                        </a:p>
+                      </a:txBody>
+                      <a:tcPr>
+                        <a:solidFill>
+                          <a:srgbClr val="E1AAF3"/>
+                        </a:solidFill>
+                      </a:tcPr>
+                    </a:tc>
+                    <a:extLst>
+                      <a:ext uri="{0D108BD9-81ED-4DB2-BD59-A6C34878D82A}">
+                        <a16:rowId xmlns:a16="http://schemas.microsoft.com/office/drawing/2014/main" val="3318367615"/>
+                      </a:ext>
+                    </a:extLst>
+                  </a:tr>
+                  <a:tr h="540766">
+                    <a:tc>
+                      <a:txBody>
+                        <a:bodyPr/>
+                        <a:lstStyle/>
+                        <a:p>
+                          <a:endParaRPr lang="en-US"/>
+                        </a:p>
+                      </a:txBody>
+                      <a:tcPr>
+                        <a:blipFill>
+                          <a:blip r:embed="rId3"/>
+                          <a:stretch>
+                            <a:fillRect l="-1333" t="-292857" r="-624000" b="-233333"/>
+                          </a:stretch>
+                        </a:blipFill>
+                      </a:tcPr>
+                    </a:tc>
+                    <a:tc>
+                      <a:txBody>
+                        <a:bodyPr/>
+                        <a:lstStyle/>
+                        <a:p>
+                          <a:pPr algn="ctr"/>
+                          <a:r>
+                            <a:rPr lang="en-US" sz="2800" dirty="0">
+                              <a:latin typeface="Roboto" panose="02000000000000000000" pitchFamily="2" charset="0"/>
+                              <a:ea typeface="Roboto" panose="02000000000000000000" pitchFamily="2" charset="0"/>
+                              <a:cs typeface="Roboto" panose="02000000000000000000" pitchFamily="2" charset="0"/>
+                            </a:rPr>
+                            <a:t>0.01</a:t>
+                          </a:r>
+                        </a:p>
+                      </a:txBody>
+                      <a:tcPr>
+                        <a:solidFill>
+                          <a:srgbClr val="E1AAF3"/>
+                        </a:solidFill>
+                      </a:tcPr>
+                    </a:tc>
+                    <a:tc>
+                      <a:txBody>
+                        <a:bodyPr/>
+                        <a:lstStyle/>
+                        <a:p>
+                          <a:pPr algn="ctr"/>
+                          <a:r>
+                            <a:rPr lang="en-US" sz="2800" dirty="0">
+                              <a:latin typeface="Roboto" panose="02000000000000000000" pitchFamily="2" charset="0"/>
+                              <a:ea typeface="Roboto" panose="02000000000000000000" pitchFamily="2" charset="0"/>
+                              <a:cs typeface="Roboto" panose="02000000000000000000" pitchFamily="2" charset="0"/>
+                            </a:rPr>
+                            <a:t>(0.00, 0.02)</a:t>
+                          </a:r>
+                        </a:p>
+                      </a:txBody>
+                      <a:tcPr>
+                        <a:solidFill>
+                          <a:srgbClr val="E1AAF3"/>
+                        </a:solidFill>
+                      </a:tcPr>
+                    </a:tc>
+                    <a:extLst>
+                      <a:ext uri="{0D108BD9-81ED-4DB2-BD59-A6C34878D82A}">
+                        <a16:rowId xmlns:a16="http://schemas.microsoft.com/office/drawing/2014/main" val="360183572"/>
+                      </a:ext>
+                    </a:extLst>
+                  </a:tr>
+                  <a:tr h="540766">
+                    <a:tc>
+                      <a:txBody>
+                        <a:bodyPr/>
+                        <a:lstStyle/>
+                        <a:p>
+                          <a:endParaRPr lang="en-US"/>
+                        </a:p>
+                      </a:txBody>
+                      <a:tcPr>
+                        <a:blipFill>
+                          <a:blip r:embed="rId3"/>
+                          <a:stretch>
+                            <a:fillRect l="-1333" t="-383721" r="-624000" b="-127907"/>
+                          </a:stretch>
+                        </a:blipFill>
+                      </a:tcPr>
+                    </a:tc>
+                    <a:tc>
+                      <a:txBody>
+                        <a:bodyPr/>
+                        <a:lstStyle/>
+                        <a:p>
+                          <a:pPr algn="ctr"/>
+                          <a:r>
+                            <a:rPr lang="en-US" sz="2800" dirty="0">
+                              <a:latin typeface="Roboto" panose="02000000000000000000" pitchFamily="2" charset="0"/>
+                              <a:ea typeface="Roboto" panose="02000000000000000000" pitchFamily="2" charset="0"/>
+                              <a:cs typeface="Roboto" panose="02000000000000000000" pitchFamily="2" charset="0"/>
+                            </a:rPr>
+                            <a:t>-0.10</a:t>
+                          </a:r>
+                        </a:p>
+                      </a:txBody>
+                      <a:tcPr>
+                        <a:solidFill>
+                          <a:srgbClr val="E1AAF3"/>
+                        </a:solidFill>
+                      </a:tcPr>
+                    </a:tc>
+                    <a:tc>
+                      <a:txBody>
+                        <a:bodyPr/>
+                        <a:lstStyle/>
+                        <a:p>
+                          <a:pPr algn="ctr"/>
+                          <a:r>
+                            <a:rPr lang="en-US" sz="2800" dirty="0">
+                              <a:latin typeface="Roboto" panose="02000000000000000000" pitchFamily="2" charset="0"/>
+                              <a:ea typeface="Roboto" panose="02000000000000000000" pitchFamily="2" charset="0"/>
+                              <a:cs typeface="Roboto" panose="02000000000000000000" pitchFamily="2" charset="0"/>
+                            </a:rPr>
+                            <a:t>(-0.41, 0.21)</a:t>
+                          </a:r>
+                        </a:p>
+                      </a:txBody>
+                      <a:tcPr>
+                        <a:solidFill>
+                          <a:srgbClr val="E1AAF3"/>
+                        </a:solidFill>
+                      </a:tcPr>
+                    </a:tc>
+                    <a:extLst>
+                      <a:ext uri="{0D108BD9-81ED-4DB2-BD59-A6C34878D82A}">
+                        <a16:rowId xmlns:a16="http://schemas.microsoft.com/office/drawing/2014/main" val="881442553"/>
+                      </a:ext>
+                    </a:extLst>
+                  </a:tr>
+                  <a:tr h="540766">
+                    <a:tc>
+                      <a:txBody>
+                        <a:bodyPr/>
+                        <a:lstStyle/>
+                        <a:p>
+                          <a:endParaRPr lang="en-US"/>
+                        </a:p>
+                      </a:txBody>
+                      <a:tcPr>
+                        <a:blipFill>
+                          <a:blip r:embed="rId3"/>
+                          <a:stretch>
+                            <a:fillRect l="-1333" t="-483721" r="-624000" b="-27907"/>
+                          </a:stretch>
+                        </a:blipFill>
+                      </a:tcPr>
+                    </a:tc>
+                    <a:tc>
+                      <a:txBody>
+                        <a:bodyPr/>
+                        <a:lstStyle/>
+                        <a:p>
+                          <a:pPr algn="ctr"/>
+                          <a:r>
+                            <a:rPr lang="en-US" sz="2800" dirty="0">
+                              <a:latin typeface="Roboto" panose="02000000000000000000" pitchFamily="2" charset="0"/>
+                              <a:ea typeface="Roboto" panose="02000000000000000000" pitchFamily="2" charset="0"/>
+                              <a:cs typeface="Roboto" panose="02000000000000000000" pitchFamily="2" charset="0"/>
+                            </a:rPr>
+                            <a:t>-0.01</a:t>
+                          </a:r>
+                        </a:p>
+                      </a:txBody>
+                      <a:tcPr>
+                        <a:solidFill>
+                          <a:srgbClr val="E1AAF3"/>
+                        </a:solidFill>
+                      </a:tcPr>
+                    </a:tc>
+                    <a:tc>
+                      <a:txBody>
+                        <a:bodyPr/>
+                        <a:lstStyle/>
+                        <a:p>
+                          <a:pPr algn="ctr"/>
+                          <a:r>
+                            <a:rPr lang="en-US" sz="2800" dirty="0">
+                              <a:latin typeface="Roboto" panose="02000000000000000000" pitchFamily="2" charset="0"/>
+                              <a:ea typeface="Roboto" panose="02000000000000000000" pitchFamily="2" charset="0"/>
+                              <a:cs typeface="Roboto" panose="02000000000000000000" pitchFamily="2" charset="0"/>
+                            </a:rPr>
+                            <a:t>(-0.02, 0.00)</a:t>
+                          </a:r>
+                        </a:p>
+                      </a:txBody>
+                      <a:tcPr>
+                        <a:solidFill>
+                          <a:srgbClr val="E1AAF3"/>
+                        </a:solidFill>
+                      </a:tcPr>
+                    </a:tc>
+                    <a:extLst>
+                      <a:ext uri="{0D108BD9-81ED-4DB2-BD59-A6C34878D82A}">
+                        <a16:rowId xmlns:a16="http://schemas.microsoft.com/office/drawing/2014/main" val="2940754325"/>
+                      </a:ext>
+                    </a:extLst>
+                  </a:tr>
+                </a:tbl>
+              </a:graphicData>
+            </a:graphic>
+          </p:graphicFrame>
+        </mc:Fallback>
+      </mc:AlternateContent>
+      <mc:AlternateContent xmlns:mc="http://schemas.openxmlformats.org/markup-compatibility/2006" xmlns:a14="http://schemas.microsoft.com/office/drawing/2010/main">
+        <mc:Choice Requires="a14">
+          <p:graphicFrame>
+            <p:nvGraphicFramePr>
+              <p:cNvPr id="11" name="Table 10">
+                <a:extLst>
+                  <a:ext uri="{FF2B5EF4-FFF2-40B4-BE49-F238E27FC236}">
+                    <a16:creationId xmlns:a16="http://schemas.microsoft.com/office/drawing/2014/main" id="{099C4B73-7BB2-E00E-8964-A07F884D153E}"/>
+                  </a:ext>
+                </a:extLst>
+              </p:cNvPr>
+              <p:cNvGraphicFramePr>
+                <a:graphicFrameLocks noGrp="1"/>
+              </p:cNvGraphicFramePr>
+              <p:nvPr>
+                <p:extLst>
+                  <p:ext uri="{D42A27DB-BD31-4B8C-83A1-F6EECF244321}">
+                    <p14:modId xmlns:p14="http://schemas.microsoft.com/office/powerpoint/2010/main" val="2264029331"/>
+                  </p:ext>
+                </p:extLst>
+              </p:nvPr>
+            </p:nvGraphicFramePr>
+            <p:xfrm>
+              <a:off x="18429637" y="13487919"/>
+              <a:ext cx="6858000" cy="3107944"/>
+            </p:xfrm>
+            <a:graphic>
+              <a:graphicData uri="http://schemas.openxmlformats.org/drawingml/2006/table">
+                <a:tbl>
+                  <a:tblPr firstRow="1" bandRow="1">
+                    <a:tableStyleId>{5C22544A-7EE6-4342-B048-85BDC9FD1C3A}</a:tableStyleId>
+                  </a:tblPr>
+                  <a:tblGrid>
+                    <a:gridCol w="1058325">
+                      <a:extLst>
+                        <a:ext uri="{9D8B030D-6E8A-4147-A177-3AD203B41FA5}">
+                          <a16:colId xmlns:a16="http://schemas.microsoft.com/office/drawing/2014/main" val="3616650262"/>
+                        </a:ext>
+                      </a:extLst>
+                    </a:gridCol>
+                    <a:gridCol w="2667000">
+                      <a:extLst>
+                        <a:ext uri="{9D8B030D-6E8A-4147-A177-3AD203B41FA5}">
+                          <a16:colId xmlns:a16="http://schemas.microsoft.com/office/drawing/2014/main" val="3605630075"/>
+                        </a:ext>
+                      </a:extLst>
+                    </a:gridCol>
+                    <a:gridCol w="3132675">
+                      <a:extLst>
+                        <a:ext uri="{9D8B030D-6E8A-4147-A177-3AD203B41FA5}">
+                          <a16:colId xmlns:a16="http://schemas.microsoft.com/office/drawing/2014/main" val="1138396891"/>
+                        </a:ext>
+                      </a:extLst>
+                    </a:gridCol>
+                  </a:tblGrid>
+                  <a:tr h="370840">
+                    <a:tc>
+                      <a:txBody>
+                        <a:bodyPr/>
+                        <a:lstStyle/>
+                        <a:p>
+                          <a:pPr algn="ctr"/>
+                          <a:endParaRPr lang="en-US" sz="2800" dirty="0">
+                            <a:latin typeface="Roboto" panose="02000000000000000000" pitchFamily="2" charset="0"/>
+                            <a:ea typeface="Roboto" panose="02000000000000000000" pitchFamily="2" charset="0"/>
+                            <a:cs typeface="Roboto" panose="02000000000000000000" pitchFamily="2" charset="0"/>
+                          </a:endParaRPr>
+                        </a:p>
+                      </a:txBody>
+                      <a:tcPr>
+                        <a:solidFill>
+                          <a:srgbClr val="573164"/>
+                        </a:solidFill>
+                      </a:tcPr>
+                    </a:tc>
+                    <a:tc>
+                      <a:txBody>
+                        <a:bodyPr/>
+                        <a:lstStyle/>
+                        <a:p>
+                          <a:pPr algn="ctr"/>
+                          <a:r>
+                            <a:rPr lang="en-US" sz="2800" dirty="0">
+                              <a:latin typeface="Roboto" panose="02000000000000000000" pitchFamily="2" charset="0"/>
+                              <a:ea typeface="Roboto" panose="02000000000000000000" pitchFamily="2" charset="0"/>
+                              <a:cs typeface="Roboto" panose="02000000000000000000" pitchFamily="2" charset="0"/>
+                            </a:rPr>
+                            <a:t>Estimate</a:t>
+                          </a:r>
+                        </a:p>
+                      </a:txBody>
+                      <a:tcPr>
+                        <a:solidFill>
+                          <a:srgbClr val="573164"/>
+                        </a:solidFill>
+                      </a:tcPr>
+                    </a:tc>
+                    <a:tc>
+                      <a:txBody>
+                        <a:bodyPr/>
+                        <a:lstStyle/>
+                        <a:p>
+                          <a:pPr algn="ctr"/>
+                          <a:r>
+                            <a:rPr lang="en-US" sz="2800" dirty="0">
+                              <a:latin typeface="Roboto" panose="02000000000000000000" pitchFamily="2" charset="0"/>
+                              <a:ea typeface="Roboto" panose="02000000000000000000" pitchFamily="2" charset="0"/>
+                              <a:cs typeface="Roboto" panose="02000000000000000000" pitchFamily="2" charset="0"/>
+                            </a:rPr>
+                            <a:t>95% Confidence Interval</a:t>
+                          </a:r>
+                        </a:p>
+                      </a:txBody>
+                      <a:tcPr>
+                        <a:solidFill>
+                          <a:srgbClr val="573164"/>
+                        </a:solidFill>
+                      </a:tcPr>
+                    </a:tc>
+                    <a:extLst>
+                      <a:ext uri="{0D108BD9-81ED-4DB2-BD59-A6C34878D82A}">
+                        <a16:rowId xmlns:a16="http://schemas.microsoft.com/office/drawing/2014/main" val="2924167112"/>
+                      </a:ext>
+                    </a:extLst>
+                  </a:tr>
+                  <a:tr h="370840">
+                    <a:tc>
+                      <a:txBody>
+                        <a:bodyPr/>
+                        <a:lstStyle/>
+                        <a:p>
+                          <a:pPr algn="ctr"/>
+                          <a14:m>
+                            <m:oMathPara xmlns:m="http://schemas.openxmlformats.org/officeDocument/2006/math">
+                              <m:oMathParaPr>
+                                <m:jc m:val="centerGroup"/>
+                              </m:oMathParaPr>
+                              <m:oMath xmlns:m="http://schemas.openxmlformats.org/officeDocument/2006/math">
+                                <m:acc>
+                                  <m:accPr>
+                                    <m:chr m:val="̂"/>
+                                    <m:ctrlPr>
+                                      <a:rPr lang="en-US" sz="2800" i="1" smtClean="0">
+                                        <a:latin typeface="Cambria Math" panose="02040503050406030204" pitchFamily="18" charset="0"/>
+                                        <a:ea typeface="Roboto" panose="02000000000000000000" pitchFamily="2" charset="0"/>
+                                        <a:cs typeface="Roboto" panose="02000000000000000000" pitchFamily="2" charset="0"/>
+                                      </a:rPr>
+                                    </m:ctrlPr>
+                                  </m:accPr>
+                                  <m:e>
+                                    <m:sSub>
+                                      <m:sSubPr>
+                                        <m:ctrlPr>
+                                          <a:rPr lang="en-US" sz="2800" i="1" smtClean="0">
+                                            <a:latin typeface="Cambria Math" panose="02040503050406030204" pitchFamily="18" charset="0"/>
+                                            <a:ea typeface="Roboto" panose="02000000000000000000" pitchFamily="2" charset="0"/>
+                                            <a:cs typeface="Roboto" panose="02000000000000000000" pitchFamily="2" charset="0"/>
+                                          </a:rPr>
+                                        </m:ctrlPr>
+                                      </m:sSubPr>
+                                      <m:e>
+                                        <m:r>
+                                          <a:rPr lang="en-US" sz="2800" i="1" smtClean="0">
+                                            <a:latin typeface="Cambria Math" panose="02040503050406030204" pitchFamily="18" charset="0"/>
+                                            <a:ea typeface="Cambria Math" panose="02040503050406030204" pitchFamily="18" charset="0"/>
+                                            <a:cs typeface="Roboto" panose="02000000000000000000" pitchFamily="2" charset="0"/>
+                                          </a:rPr>
+                                          <m:t>𝛽</m:t>
+                                        </m:r>
+                                      </m:e>
+                                      <m:sub>
+                                        <m:r>
+                                          <a:rPr lang="en-US" sz="2800" b="0" i="1" smtClean="0">
+                                            <a:latin typeface="Cambria Math" panose="02040503050406030204" pitchFamily="18" charset="0"/>
+                                            <a:ea typeface="Roboto" panose="02000000000000000000" pitchFamily="2" charset="0"/>
+                                            <a:cs typeface="Roboto" panose="02000000000000000000" pitchFamily="2" charset="0"/>
+                                          </a:rPr>
+                                          <m:t>0</m:t>
+                                        </m:r>
+                                      </m:sub>
+                                    </m:sSub>
+                                  </m:e>
+                                </m:acc>
+                              </m:oMath>
+                            </m:oMathPara>
+                          </a14:m>
+                          <a:endParaRPr lang="en-US" sz="2800" dirty="0">
+                            <a:latin typeface="Roboto" panose="02000000000000000000" pitchFamily="2" charset="0"/>
+                            <a:ea typeface="Roboto" panose="02000000000000000000" pitchFamily="2" charset="0"/>
+                            <a:cs typeface="Roboto" panose="02000000000000000000" pitchFamily="2" charset="0"/>
+                          </a:endParaRPr>
+                        </a:p>
+                      </a:txBody>
+                      <a:tcPr>
+                        <a:solidFill>
+                          <a:srgbClr val="E1AAF3"/>
+                        </a:solidFill>
+                      </a:tcPr>
+                    </a:tc>
+                    <a:tc>
+                      <a:txBody>
+                        <a:bodyPr/>
+                        <a:lstStyle/>
+                        <a:p>
+                          <a:pPr algn="ctr"/>
+                          <a:r>
+                            <a:rPr lang="en-US" sz="2800" dirty="0">
+                              <a:latin typeface="Roboto" panose="02000000000000000000" pitchFamily="2" charset="0"/>
+                              <a:ea typeface="Roboto" panose="02000000000000000000" pitchFamily="2" charset="0"/>
+                              <a:cs typeface="Roboto" panose="02000000000000000000" pitchFamily="2" charset="0"/>
+                            </a:rPr>
+                            <a:t>8.02</a:t>
+                          </a:r>
+                        </a:p>
+                      </a:txBody>
+                      <a:tcPr>
+                        <a:solidFill>
+                          <a:srgbClr val="E1AAF3"/>
+                        </a:solidFill>
+                      </a:tcPr>
+                    </a:tc>
+                    <a:tc>
+                      <a:txBody>
+                        <a:bodyPr/>
+                        <a:lstStyle/>
+                        <a:p>
+                          <a:pPr algn="ctr"/>
+                          <a:r>
+                            <a:rPr lang="en-US" sz="2800" dirty="0">
+                              <a:latin typeface="Roboto" panose="02000000000000000000" pitchFamily="2" charset="0"/>
+                              <a:ea typeface="Roboto" panose="02000000000000000000" pitchFamily="2" charset="0"/>
+                              <a:cs typeface="Roboto" panose="02000000000000000000" pitchFamily="2" charset="0"/>
+                            </a:rPr>
+                            <a:t>(7.97,  8.07)</a:t>
+                          </a:r>
+                        </a:p>
+                      </a:txBody>
+                      <a:tcPr>
+                        <a:solidFill>
+                          <a:srgbClr val="E1AAF3"/>
+                        </a:solidFill>
+                      </a:tcPr>
+                    </a:tc>
+                    <a:extLst>
+                      <a:ext uri="{0D108BD9-81ED-4DB2-BD59-A6C34878D82A}">
+                        <a16:rowId xmlns:a16="http://schemas.microsoft.com/office/drawing/2014/main" val="3318367615"/>
+                      </a:ext>
+                    </a:extLst>
+                  </a:tr>
+                  <a:tr h="370840">
+                    <a:tc>
+                      <a:txBody>
+                        <a:bodyPr/>
+                        <a:lstStyle/>
+                        <a:p>
+                          <a:pPr algn="ctr"/>
+                          <a14:m>
+                            <m:oMathPara xmlns:m="http://schemas.openxmlformats.org/officeDocument/2006/math">
+                              <m:oMathParaPr>
+                                <m:jc m:val="centerGroup"/>
+                              </m:oMathParaPr>
+                              <m:oMath xmlns:m="http://schemas.openxmlformats.org/officeDocument/2006/math">
+                                <m:acc>
+                                  <m:accPr>
+                                    <m:chr m:val="̂"/>
+                                    <m:ctrlPr>
+                                      <a:rPr lang="en-US" sz="2800" i="1" smtClean="0">
+                                        <a:latin typeface="Cambria Math" panose="02040503050406030204" pitchFamily="18" charset="0"/>
+                                        <a:ea typeface="Roboto" panose="02000000000000000000" pitchFamily="2" charset="0"/>
+                                        <a:cs typeface="Roboto" panose="02000000000000000000" pitchFamily="2" charset="0"/>
+                                      </a:rPr>
+                                    </m:ctrlPr>
+                                  </m:accPr>
+                                  <m:e>
+                                    <m:sSub>
+                                      <m:sSubPr>
+                                        <m:ctrlPr>
+                                          <a:rPr lang="en-US" sz="2800" i="1" smtClean="0">
+                                            <a:latin typeface="Cambria Math" panose="02040503050406030204" pitchFamily="18" charset="0"/>
+                                            <a:ea typeface="Roboto" panose="02000000000000000000" pitchFamily="2" charset="0"/>
+                                            <a:cs typeface="Roboto" panose="02000000000000000000" pitchFamily="2" charset="0"/>
+                                          </a:rPr>
+                                        </m:ctrlPr>
+                                      </m:sSubPr>
+                                      <m:e>
+                                        <m:r>
+                                          <a:rPr lang="en-US" sz="2800" i="1" smtClean="0">
+                                            <a:latin typeface="Cambria Math" panose="02040503050406030204" pitchFamily="18" charset="0"/>
+                                            <a:ea typeface="Cambria Math" panose="02040503050406030204" pitchFamily="18" charset="0"/>
+                                            <a:cs typeface="Roboto" panose="02000000000000000000" pitchFamily="2" charset="0"/>
+                                          </a:rPr>
+                                          <m:t>𝛽</m:t>
+                                        </m:r>
+                                      </m:e>
+                                      <m:sub>
+                                        <m:r>
+                                          <a:rPr lang="en-US" sz="2800" b="0" i="1" smtClean="0">
+                                            <a:latin typeface="Cambria Math" panose="02040503050406030204" pitchFamily="18" charset="0"/>
+                                            <a:ea typeface="Cambria Math" panose="02040503050406030204" pitchFamily="18" charset="0"/>
+                                            <a:cs typeface="Roboto" panose="02000000000000000000" pitchFamily="2" charset="0"/>
+                                          </a:rPr>
+                                          <m:t>1</m:t>
+                                        </m:r>
+                                      </m:sub>
+                                    </m:sSub>
+                                  </m:e>
+                                </m:acc>
+                              </m:oMath>
+                            </m:oMathPara>
+                          </a14:m>
+                          <a:endParaRPr lang="en-US" sz="2800" dirty="0">
+                            <a:latin typeface="Roboto" panose="02000000000000000000" pitchFamily="2" charset="0"/>
+                            <a:ea typeface="Roboto" panose="02000000000000000000" pitchFamily="2" charset="0"/>
+                            <a:cs typeface="Roboto" panose="02000000000000000000" pitchFamily="2" charset="0"/>
+                          </a:endParaRPr>
+                        </a:p>
+                      </a:txBody>
+                      <a:tcPr>
+                        <a:solidFill>
+                          <a:srgbClr val="E1AAF3"/>
+                        </a:solidFill>
+                      </a:tcPr>
+                    </a:tc>
+                    <a:tc>
+                      <a:txBody>
+                        <a:bodyPr/>
+                        <a:lstStyle/>
+                        <a:p>
+                          <a:pPr algn="ctr"/>
+                          <a:r>
+                            <a:rPr lang="en-US" sz="2800" dirty="0">
+                              <a:latin typeface="Roboto" panose="02000000000000000000" pitchFamily="2" charset="0"/>
+                              <a:ea typeface="Roboto" panose="02000000000000000000" pitchFamily="2" charset="0"/>
+                              <a:cs typeface="Roboto" panose="02000000000000000000" pitchFamily="2" charset="0"/>
+                            </a:rPr>
+                            <a:t>0.00</a:t>
+                          </a:r>
+                        </a:p>
+                      </a:txBody>
+                      <a:tcPr>
+                        <a:solidFill>
+                          <a:srgbClr val="E1AAF3"/>
+                        </a:solidFill>
+                      </a:tcPr>
+                    </a:tc>
+                    <a:tc>
+                      <a:txBody>
+                        <a:bodyPr/>
+                        <a:lstStyle/>
+                        <a:p>
+                          <a:pPr algn="ctr"/>
+                          <a:r>
+                            <a:rPr lang="en-US" sz="2800" dirty="0">
+                              <a:latin typeface="Roboto" panose="02000000000000000000" pitchFamily="2" charset="0"/>
+                              <a:ea typeface="Roboto" panose="02000000000000000000" pitchFamily="2" charset="0"/>
+                              <a:cs typeface="Roboto" panose="02000000000000000000" pitchFamily="2" charset="0"/>
+                            </a:rPr>
+                            <a:t>(0.00, 0.00)</a:t>
+                          </a:r>
+                        </a:p>
+                      </a:txBody>
+                      <a:tcPr>
+                        <a:solidFill>
+                          <a:srgbClr val="E1AAF3"/>
+                        </a:solidFill>
+                      </a:tcPr>
+                    </a:tc>
+                    <a:extLst>
+                      <a:ext uri="{0D108BD9-81ED-4DB2-BD59-A6C34878D82A}">
+                        <a16:rowId xmlns:a16="http://schemas.microsoft.com/office/drawing/2014/main" val="360183572"/>
+                      </a:ext>
+                    </a:extLst>
+                  </a:tr>
+                  <a:tr h="370840">
+                    <a:tc>
+                      <a:txBody>
+                        <a:bodyPr/>
+                        <a:lstStyle/>
+                        <a:p>
+                          <a:pPr algn="ctr"/>
+                          <a14:m>
+                            <m:oMathPara xmlns:m="http://schemas.openxmlformats.org/officeDocument/2006/math">
+                              <m:oMathParaPr>
+                                <m:jc m:val="centerGroup"/>
+                              </m:oMathParaPr>
+                              <m:oMath xmlns:m="http://schemas.openxmlformats.org/officeDocument/2006/math">
+                                <m:acc>
+                                  <m:accPr>
+                                    <m:chr m:val="̂"/>
+                                    <m:ctrlPr>
+                                      <a:rPr lang="en-US" sz="2800" i="1" smtClean="0">
+                                        <a:latin typeface="Cambria Math" panose="02040503050406030204" pitchFamily="18" charset="0"/>
+                                        <a:ea typeface="Roboto" panose="02000000000000000000" pitchFamily="2" charset="0"/>
+                                        <a:cs typeface="Roboto" panose="02000000000000000000" pitchFamily="2" charset="0"/>
+                                      </a:rPr>
+                                    </m:ctrlPr>
+                                  </m:accPr>
+                                  <m:e>
+                                    <m:sSub>
+                                      <m:sSubPr>
+                                        <m:ctrlPr>
+                                          <a:rPr lang="en-US" sz="2800" i="1" smtClean="0">
+                                            <a:latin typeface="Cambria Math" panose="02040503050406030204" pitchFamily="18" charset="0"/>
+                                            <a:ea typeface="Roboto" panose="02000000000000000000" pitchFamily="2" charset="0"/>
+                                            <a:cs typeface="Roboto" panose="02000000000000000000" pitchFamily="2" charset="0"/>
+                                          </a:rPr>
+                                        </m:ctrlPr>
+                                      </m:sSubPr>
+                                      <m:e>
+                                        <m:r>
+                                          <a:rPr lang="en-US" sz="2800" i="1" smtClean="0">
+                                            <a:latin typeface="Cambria Math" panose="02040503050406030204" pitchFamily="18" charset="0"/>
+                                            <a:ea typeface="Cambria Math" panose="02040503050406030204" pitchFamily="18" charset="0"/>
+                                            <a:cs typeface="Roboto" panose="02000000000000000000" pitchFamily="2" charset="0"/>
+                                          </a:rPr>
+                                          <m:t>𝛽</m:t>
+                                        </m:r>
+                                      </m:e>
+                                      <m:sub>
+                                        <m:r>
+                                          <a:rPr lang="en-US" sz="2800" b="0" i="1" smtClean="0">
+                                            <a:latin typeface="Cambria Math" panose="02040503050406030204" pitchFamily="18" charset="0"/>
+                                            <a:ea typeface="Cambria Math" panose="02040503050406030204" pitchFamily="18" charset="0"/>
+                                            <a:cs typeface="Roboto" panose="02000000000000000000" pitchFamily="2" charset="0"/>
+                                          </a:rPr>
+                                          <m:t>2</m:t>
+                                        </m:r>
+                                      </m:sub>
+                                    </m:sSub>
+                                  </m:e>
+                                </m:acc>
+                              </m:oMath>
+                            </m:oMathPara>
+                          </a14:m>
+                          <a:endParaRPr lang="en-US" sz="2800" dirty="0">
+                            <a:latin typeface="Roboto" panose="02000000000000000000" pitchFamily="2" charset="0"/>
+                            <a:ea typeface="Roboto" panose="02000000000000000000" pitchFamily="2" charset="0"/>
+                            <a:cs typeface="Roboto" panose="02000000000000000000" pitchFamily="2" charset="0"/>
+                          </a:endParaRPr>
+                        </a:p>
+                      </a:txBody>
+                      <a:tcPr>
+                        <a:solidFill>
+                          <a:srgbClr val="E1AAF3"/>
+                        </a:solidFill>
+                      </a:tcPr>
+                    </a:tc>
+                    <a:tc>
+                      <a:txBody>
+                        <a:bodyPr/>
+                        <a:lstStyle/>
+                        <a:p>
+                          <a:pPr algn="ctr"/>
+                          <a:r>
+                            <a:rPr lang="en-US" sz="2800" dirty="0">
+                              <a:latin typeface="Roboto" panose="02000000000000000000" pitchFamily="2" charset="0"/>
+                              <a:ea typeface="Roboto" panose="02000000000000000000" pitchFamily="2" charset="0"/>
+                              <a:cs typeface="Roboto" panose="02000000000000000000" pitchFamily="2" charset="0"/>
+                            </a:rPr>
+                            <a:t>-0.09</a:t>
+                          </a:r>
+                        </a:p>
+                      </a:txBody>
+                      <a:tcPr>
+                        <a:solidFill>
+                          <a:srgbClr val="E1AAF3"/>
+                        </a:solidFill>
+                      </a:tcPr>
+                    </a:tc>
+                    <a:tc>
+                      <a:txBody>
+                        <a:bodyPr/>
+                        <a:lstStyle/>
+                        <a:p>
+                          <a:pPr algn="ctr"/>
+                          <a:r>
+                            <a:rPr lang="en-US" sz="2800" dirty="0">
+                              <a:latin typeface="Roboto" panose="02000000000000000000" pitchFamily="2" charset="0"/>
+                              <a:ea typeface="Roboto" panose="02000000000000000000" pitchFamily="2" charset="0"/>
+                              <a:cs typeface="Roboto" panose="02000000000000000000" pitchFamily="2" charset="0"/>
+                            </a:rPr>
+                            <a:t>(-0.16, -0.03)</a:t>
+                          </a:r>
+                        </a:p>
+                      </a:txBody>
+                      <a:tcPr>
+                        <a:solidFill>
+                          <a:srgbClr val="E1AAF3"/>
+                        </a:solidFill>
+                      </a:tcPr>
+                    </a:tc>
+                    <a:extLst>
+                      <a:ext uri="{0D108BD9-81ED-4DB2-BD59-A6C34878D82A}">
+                        <a16:rowId xmlns:a16="http://schemas.microsoft.com/office/drawing/2014/main" val="881442553"/>
+                      </a:ext>
+                    </a:extLst>
+                  </a:tr>
+                  <a:tr h="370840">
+                    <a:tc>
+                      <a:txBody>
+                        <a:bodyPr/>
+                        <a:lstStyle/>
+                        <a:p>
+                          <a:pPr algn="ctr"/>
+                          <a14:m>
+                            <m:oMathPara xmlns:m="http://schemas.openxmlformats.org/officeDocument/2006/math">
+                              <m:oMathParaPr>
+                                <m:jc m:val="centerGroup"/>
+                              </m:oMathParaPr>
+                              <m:oMath xmlns:m="http://schemas.openxmlformats.org/officeDocument/2006/math">
+                                <m:acc>
+                                  <m:accPr>
+                                    <m:chr m:val="̂"/>
+                                    <m:ctrlPr>
+                                      <a:rPr lang="en-US" sz="2800" i="1" smtClean="0">
+                                        <a:latin typeface="Cambria Math" panose="02040503050406030204" pitchFamily="18" charset="0"/>
+                                        <a:ea typeface="Roboto" panose="02000000000000000000" pitchFamily="2" charset="0"/>
+                                        <a:cs typeface="Roboto" panose="02000000000000000000" pitchFamily="2" charset="0"/>
+                                      </a:rPr>
+                                    </m:ctrlPr>
+                                  </m:accPr>
+                                  <m:e>
+                                    <m:sSub>
+                                      <m:sSubPr>
+                                        <m:ctrlPr>
+                                          <a:rPr lang="en-US" sz="2800" i="1" smtClean="0">
+                                            <a:latin typeface="Cambria Math" panose="02040503050406030204" pitchFamily="18" charset="0"/>
+                                            <a:ea typeface="Roboto" panose="02000000000000000000" pitchFamily="2" charset="0"/>
+                                            <a:cs typeface="Roboto" panose="02000000000000000000" pitchFamily="2" charset="0"/>
+                                          </a:rPr>
+                                        </m:ctrlPr>
+                                      </m:sSubPr>
+                                      <m:e>
+                                        <m:r>
+                                          <a:rPr lang="en-US" sz="2800" i="1" smtClean="0">
+                                            <a:latin typeface="Cambria Math" panose="02040503050406030204" pitchFamily="18" charset="0"/>
+                                            <a:ea typeface="Cambria Math" panose="02040503050406030204" pitchFamily="18" charset="0"/>
+                                            <a:cs typeface="Roboto" panose="02000000000000000000" pitchFamily="2" charset="0"/>
+                                          </a:rPr>
+                                          <m:t>𝛽</m:t>
+                                        </m:r>
+                                      </m:e>
+                                      <m:sub>
+                                        <m:r>
+                                          <a:rPr lang="en-US" sz="2800" b="0" i="1" smtClean="0">
+                                            <a:latin typeface="Cambria Math" panose="02040503050406030204" pitchFamily="18" charset="0"/>
+                                            <a:ea typeface="Cambria Math" panose="02040503050406030204" pitchFamily="18" charset="0"/>
+                                            <a:cs typeface="Roboto" panose="02000000000000000000" pitchFamily="2" charset="0"/>
+                                          </a:rPr>
+                                          <m:t>3</m:t>
+                                        </m:r>
+                                      </m:sub>
+                                    </m:sSub>
+                                  </m:e>
+                                </m:acc>
+                              </m:oMath>
+                            </m:oMathPara>
+                          </a14:m>
+                          <a:endParaRPr lang="en-US" sz="2800" dirty="0">
+                            <a:latin typeface="Roboto" panose="02000000000000000000" pitchFamily="2" charset="0"/>
+                            <a:ea typeface="Roboto" panose="02000000000000000000" pitchFamily="2" charset="0"/>
+                            <a:cs typeface="Roboto" panose="02000000000000000000" pitchFamily="2" charset="0"/>
+                          </a:endParaRPr>
+                        </a:p>
+                      </a:txBody>
+                      <a:tcPr>
+                        <a:solidFill>
+                          <a:srgbClr val="E1AAF3"/>
+                        </a:solidFill>
+                      </a:tcPr>
+                    </a:tc>
+                    <a:tc>
+                      <a:txBody>
+                        <a:bodyPr/>
+                        <a:lstStyle/>
+                        <a:p>
+                          <a:pPr algn="ctr"/>
+                          <a:r>
+                            <a:rPr lang="en-US" sz="2800" dirty="0">
+                              <a:latin typeface="Roboto" panose="02000000000000000000" pitchFamily="2" charset="0"/>
+                              <a:ea typeface="Roboto" panose="02000000000000000000" pitchFamily="2" charset="0"/>
+                              <a:cs typeface="Roboto" panose="02000000000000000000" pitchFamily="2" charset="0"/>
+                            </a:rPr>
+                            <a:t>0.00</a:t>
+                          </a:r>
+                        </a:p>
+                      </a:txBody>
+                      <a:tcPr>
+                        <a:solidFill>
+                          <a:srgbClr val="E1AAF3"/>
+                        </a:solidFill>
+                      </a:tcPr>
+                    </a:tc>
+                    <a:tc>
+                      <a:txBody>
+                        <a:bodyPr/>
+                        <a:lstStyle/>
+                        <a:p>
+                          <a:pPr algn="ctr"/>
+                          <a:r>
+                            <a:rPr lang="en-US" sz="2800" dirty="0">
+                              <a:latin typeface="Roboto" panose="02000000000000000000" pitchFamily="2" charset="0"/>
+                              <a:ea typeface="Roboto" panose="02000000000000000000" pitchFamily="2" charset="0"/>
+                              <a:cs typeface="Roboto" panose="02000000000000000000" pitchFamily="2" charset="0"/>
+                            </a:rPr>
+                            <a:t>(0.00, 0.00)</a:t>
+                          </a:r>
+                        </a:p>
+                      </a:txBody>
+                      <a:tcPr>
+                        <a:solidFill>
+                          <a:srgbClr val="E1AAF3"/>
+                        </a:solidFill>
+                      </a:tcPr>
+                    </a:tc>
+                    <a:extLst>
+                      <a:ext uri="{0D108BD9-81ED-4DB2-BD59-A6C34878D82A}">
+                        <a16:rowId xmlns:a16="http://schemas.microsoft.com/office/drawing/2014/main" val="2940754325"/>
+                      </a:ext>
+                    </a:extLst>
+                  </a:tr>
+                </a:tbl>
+              </a:graphicData>
+            </a:graphic>
+          </p:graphicFrame>
+        </mc:Choice>
+        <mc:Fallback xmlns="">
+          <p:graphicFrame>
+            <p:nvGraphicFramePr>
+              <p:cNvPr id="11" name="Table 10">
+                <a:extLst>
+                  <a:ext uri="{FF2B5EF4-FFF2-40B4-BE49-F238E27FC236}">
+                    <a16:creationId xmlns:a16="http://schemas.microsoft.com/office/drawing/2014/main" id="{099C4B73-7BB2-E00E-8964-A07F884D153E}"/>
+                  </a:ext>
+                </a:extLst>
+              </p:cNvPr>
+              <p:cNvGraphicFramePr>
+                <a:graphicFrameLocks noGrp="1"/>
+              </p:cNvGraphicFramePr>
+              <p:nvPr>
+                <p:extLst>
+                  <p:ext uri="{D42A27DB-BD31-4B8C-83A1-F6EECF244321}">
+                    <p14:modId xmlns:p14="http://schemas.microsoft.com/office/powerpoint/2010/main" val="2264029331"/>
+                  </p:ext>
+                </p:extLst>
+              </p:nvPr>
+            </p:nvGraphicFramePr>
+            <p:xfrm>
+              <a:off x="18429637" y="13487919"/>
+              <a:ext cx="6858000" cy="3107944"/>
+            </p:xfrm>
+            <a:graphic>
+              <a:graphicData uri="http://schemas.openxmlformats.org/drawingml/2006/table">
+                <a:tbl>
+                  <a:tblPr firstRow="1" bandRow="1">
+                    <a:tableStyleId>{5C22544A-7EE6-4342-B048-85BDC9FD1C3A}</a:tableStyleId>
+                  </a:tblPr>
+                  <a:tblGrid>
+                    <a:gridCol w="1058325">
+                      <a:extLst>
+                        <a:ext uri="{9D8B030D-6E8A-4147-A177-3AD203B41FA5}">
+                          <a16:colId xmlns:a16="http://schemas.microsoft.com/office/drawing/2014/main" val="3616650262"/>
+                        </a:ext>
+                      </a:extLst>
+                    </a:gridCol>
+                    <a:gridCol w="2667000">
+                      <a:extLst>
+                        <a:ext uri="{9D8B030D-6E8A-4147-A177-3AD203B41FA5}">
+                          <a16:colId xmlns:a16="http://schemas.microsoft.com/office/drawing/2014/main" val="3605630075"/>
+                        </a:ext>
+                      </a:extLst>
+                    </a:gridCol>
+                    <a:gridCol w="3132675">
+                      <a:extLst>
+                        <a:ext uri="{9D8B030D-6E8A-4147-A177-3AD203B41FA5}">
+                          <a16:colId xmlns:a16="http://schemas.microsoft.com/office/drawing/2014/main" val="1138396891"/>
+                        </a:ext>
+                      </a:extLst>
+                    </a:gridCol>
+                  </a:tblGrid>
+                  <a:tr h="944880">
+                    <a:tc>
+                      <a:txBody>
+                        <a:bodyPr/>
+                        <a:lstStyle/>
+                        <a:p>
+                          <a:pPr algn="ctr"/>
+                          <a:endParaRPr lang="en-US" sz="2800" dirty="0">
+                            <a:latin typeface="Roboto" panose="02000000000000000000" pitchFamily="2" charset="0"/>
+                            <a:ea typeface="Roboto" panose="02000000000000000000" pitchFamily="2" charset="0"/>
+                            <a:cs typeface="Roboto" panose="02000000000000000000" pitchFamily="2" charset="0"/>
+                          </a:endParaRPr>
+                        </a:p>
+                      </a:txBody>
+                      <a:tcPr>
+                        <a:solidFill>
+                          <a:srgbClr val="573164"/>
+                        </a:solidFill>
+                      </a:tcPr>
+                    </a:tc>
+                    <a:tc>
+                      <a:txBody>
+                        <a:bodyPr/>
+                        <a:lstStyle/>
+                        <a:p>
+                          <a:pPr algn="ctr"/>
+                          <a:r>
+                            <a:rPr lang="en-US" sz="2800" dirty="0">
+                              <a:latin typeface="Roboto" panose="02000000000000000000" pitchFamily="2" charset="0"/>
+                              <a:ea typeface="Roboto" panose="02000000000000000000" pitchFamily="2" charset="0"/>
+                              <a:cs typeface="Roboto" panose="02000000000000000000" pitchFamily="2" charset="0"/>
+                            </a:rPr>
+                            <a:t>Estimate</a:t>
+                          </a:r>
+                        </a:p>
+                      </a:txBody>
+                      <a:tcPr>
+                        <a:solidFill>
+                          <a:srgbClr val="573164"/>
+                        </a:solidFill>
+                      </a:tcPr>
+                    </a:tc>
+                    <a:tc>
+                      <a:txBody>
+                        <a:bodyPr/>
+                        <a:lstStyle/>
+                        <a:p>
+                          <a:pPr algn="ctr"/>
+                          <a:r>
+                            <a:rPr lang="en-US" sz="2800" dirty="0">
+                              <a:latin typeface="Roboto" panose="02000000000000000000" pitchFamily="2" charset="0"/>
+                              <a:ea typeface="Roboto" panose="02000000000000000000" pitchFamily="2" charset="0"/>
+                              <a:cs typeface="Roboto" panose="02000000000000000000" pitchFamily="2" charset="0"/>
+                            </a:rPr>
+                            <a:t>95% Confidence Interval</a:t>
+                          </a:r>
+                        </a:p>
+                      </a:txBody>
+                      <a:tcPr>
+                        <a:solidFill>
+                          <a:srgbClr val="573164"/>
+                        </a:solidFill>
+                      </a:tcPr>
+                    </a:tc>
+                    <a:extLst>
+                      <a:ext uri="{0D108BD9-81ED-4DB2-BD59-A6C34878D82A}">
+                        <a16:rowId xmlns:a16="http://schemas.microsoft.com/office/drawing/2014/main" val="2924167112"/>
+                      </a:ext>
+                    </a:extLst>
+                  </a:tr>
+                  <a:tr h="540766">
+                    <a:tc>
+                      <a:txBody>
+                        <a:bodyPr/>
+                        <a:lstStyle/>
+                        <a:p>
+                          <a:endParaRPr lang="en-US"/>
+                        </a:p>
+                      </a:txBody>
+                      <a:tcPr>
+                        <a:blipFill>
+                          <a:blip r:embed="rId4"/>
+                          <a:stretch>
+                            <a:fillRect l="-1205" t="-186047" r="-554217" b="-327907"/>
+                          </a:stretch>
+                        </a:blipFill>
+                      </a:tcPr>
+                    </a:tc>
+                    <a:tc>
+                      <a:txBody>
+                        <a:bodyPr/>
+                        <a:lstStyle/>
+                        <a:p>
+                          <a:pPr algn="ctr"/>
+                          <a:r>
+                            <a:rPr lang="en-US" sz="2800" dirty="0">
+                              <a:latin typeface="Roboto" panose="02000000000000000000" pitchFamily="2" charset="0"/>
+                              <a:ea typeface="Roboto" panose="02000000000000000000" pitchFamily="2" charset="0"/>
+                              <a:cs typeface="Roboto" panose="02000000000000000000" pitchFamily="2" charset="0"/>
+                            </a:rPr>
+                            <a:t>8.02</a:t>
+                          </a:r>
+                        </a:p>
+                      </a:txBody>
+                      <a:tcPr>
+                        <a:solidFill>
+                          <a:srgbClr val="E1AAF3"/>
+                        </a:solidFill>
+                      </a:tcPr>
+                    </a:tc>
+                    <a:tc>
+                      <a:txBody>
+                        <a:bodyPr/>
+                        <a:lstStyle/>
+                        <a:p>
+                          <a:pPr algn="ctr"/>
+                          <a:r>
+                            <a:rPr lang="en-US" sz="2800" dirty="0">
+                              <a:latin typeface="Roboto" panose="02000000000000000000" pitchFamily="2" charset="0"/>
+                              <a:ea typeface="Roboto" panose="02000000000000000000" pitchFamily="2" charset="0"/>
+                              <a:cs typeface="Roboto" panose="02000000000000000000" pitchFamily="2" charset="0"/>
+                            </a:rPr>
+                            <a:t>(7.97,  8.07)</a:t>
+                          </a:r>
+                        </a:p>
+                      </a:txBody>
+                      <a:tcPr>
+                        <a:solidFill>
+                          <a:srgbClr val="E1AAF3"/>
+                        </a:solidFill>
+                      </a:tcPr>
+                    </a:tc>
+                    <a:extLst>
+                      <a:ext uri="{0D108BD9-81ED-4DB2-BD59-A6C34878D82A}">
+                        <a16:rowId xmlns:a16="http://schemas.microsoft.com/office/drawing/2014/main" val="3318367615"/>
+                      </a:ext>
+                    </a:extLst>
+                  </a:tr>
+                  <a:tr h="540766">
+                    <a:tc>
+                      <a:txBody>
+                        <a:bodyPr/>
+                        <a:lstStyle/>
+                        <a:p>
+                          <a:endParaRPr lang="en-US"/>
+                        </a:p>
+                      </a:txBody>
+                      <a:tcPr>
+                        <a:blipFill>
+                          <a:blip r:embed="rId4"/>
+                          <a:stretch>
+                            <a:fillRect l="-1205" t="-286047" r="-554217" b="-227907"/>
+                          </a:stretch>
+                        </a:blipFill>
+                      </a:tcPr>
+                    </a:tc>
+                    <a:tc>
+                      <a:txBody>
+                        <a:bodyPr/>
+                        <a:lstStyle/>
+                        <a:p>
+                          <a:pPr algn="ctr"/>
+                          <a:r>
+                            <a:rPr lang="en-US" sz="2800" dirty="0">
+                              <a:latin typeface="Roboto" panose="02000000000000000000" pitchFamily="2" charset="0"/>
+                              <a:ea typeface="Roboto" panose="02000000000000000000" pitchFamily="2" charset="0"/>
+                              <a:cs typeface="Roboto" panose="02000000000000000000" pitchFamily="2" charset="0"/>
+                            </a:rPr>
+                            <a:t>0.00</a:t>
+                          </a:r>
+                        </a:p>
+                      </a:txBody>
+                      <a:tcPr>
+                        <a:solidFill>
+                          <a:srgbClr val="E1AAF3"/>
+                        </a:solidFill>
+                      </a:tcPr>
+                    </a:tc>
+                    <a:tc>
+                      <a:txBody>
+                        <a:bodyPr/>
+                        <a:lstStyle/>
+                        <a:p>
+                          <a:pPr algn="ctr"/>
+                          <a:r>
+                            <a:rPr lang="en-US" sz="2800" dirty="0">
+                              <a:latin typeface="Roboto" panose="02000000000000000000" pitchFamily="2" charset="0"/>
+                              <a:ea typeface="Roboto" panose="02000000000000000000" pitchFamily="2" charset="0"/>
+                              <a:cs typeface="Roboto" panose="02000000000000000000" pitchFamily="2" charset="0"/>
+                            </a:rPr>
+                            <a:t>(0.00, 0.00)</a:t>
+                          </a:r>
+                        </a:p>
+                      </a:txBody>
+                      <a:tcPr>
+                        <a:solidFill>
+                          <a:srgbClr val="E1AAF3"/>
+                        </a:solidFill>
+                      </a:tcPr>
+                    </a:tc>
+                    <a:extLst>
+                      <a:ext uri="{0D108BD9-81ED-4DB2-BD59-A6C34878D82A}">
+                        <a16:rowId xmlns:a16="http://schemas.microsoft.com/office/drawing/2014/main" val="360183572"/>
+                      </a:ext>
+                    </a:extLst>
+                  </a:tr>
+                  <a:tr h="540766">
+                    <a:tc>
+                      <a:txBody>
+                        <a:bodyPr/>
+                        <a:lstStyle/>
+                        <a:p>
+                          <a:endParaRPr lang="en-US"/>
+                        </a:p>
+                      </a:txBody>
+                      <a:tcPr>
+                        <a:blipFill>
+                          <a:blip r:embed="rId4"/>
+                          <a:stretch>
+                            <a:fillRect l="-1205" t="-395238" r="-554217" b="-133333"/>
+                          </a:stretch>
+                        </a:blipFill>
+                      </a:tcPr>
+                    </a:tc>
+                    <a:tc>
+                      <a:txBody>
+                        <a:bodyPr/>
+                        <a:lstStyle/>
+                        <a:p>
+                          <a:pPr algn="ctr"/>
+                          <a:r>
+                            <a:rPr lang="en-US" sz="2800" dirty="0">
+                              <a:latin typeface="Roboto" panose="02000000000000000000" pitchFamily="2" charset="0"/>
+                              <a:ea typeface="Roboto" panose="02000000000000000000" pitchFamily="2" charset="0"/>
+                              <a:cs typeface="Roboto" panose="02000000000000000000" pitchFamily="2" charset="0"/>
+                            </a:rPr>
+                            <a:t>-0.09</a:t>
+                          </a:r>
+                        </a:p>
+                      </a:txBody>
+                      <a:tcPr>
+                        <a:solidFill>
+                          <a:srgbClr val="E1AAF3"/>
+                        </a:solidFill>
+                      </a:tcPr>
+                    </a:tc>
+                    <a:tc>
+                      <a:txBody>
+                        <a:bodyPr/>
+                        <a:lstStyle/>
+                        <a:p>
+                          <a:pPr algn="ctr"/>
+                          <a:r>
+                            <a:rPr lang="en-US" sz="2800" dirty="0">
+                              <a:latin typeface="Roboto" panose="02000000000000000000" pitchFamily="2" charset="0"/>
+                              <a:ea typeface="Roboto" panose="02000000000000000000" pitchFamily="2" charset="0"/>
+                              <a:cs typeface="Roboto" panose="02000000000000000000" pitchFamily="2" charset="0"/>
+                            </a:rPr>
+                            <a:t>(-0.16, -0.03)</a:t>
+                          </a:r>
+                        </a:p>
+                      </a:txBody>
+                      <a:tcPr>
+                        <a:solidFill>
+                          <a:srgbClr val="E1AAF3"/>
+                        </a:solidFill>
+                      </a:tcPr>
+                    </a:tc>
+                    <a:extLst>
+                      <a:ext uri="{0D108BD9-81ED-4DB2-BD59-A6C34878D82A}">
+                        <a16:rowId xmlns:a16="http://schemas.microsoft.com/office/drawing/2014/main" val="881442553"/>
+                      </a:ext>
+                    </a:extLst>
+                  </a:tr>
+                  <a:tr h="540766">
+                    <a:tc>
+                      <a:txBody>
+                        <a:bodyPr/>
+                        <a:lstStyle/>
+                        <a:p>
+                          <a:endParaRPr lang="en-US"/>
+                        </a:p>
+                      </a:txBody>
+                      <a:tcPr>
+                        <a:blipFill>
+                          <a:blip r:embed="rId4"/>
+                          <a:stretch>
+                            <a:fillRect l="-1205" t="-483721" r="-554217" b="-30233"/>
+                          </a:stretch>
+                        </a:blipFill>
+                      </a:tcPr>
+                    </a:tc>
+                    <a:tc>
+                      <a:txBody>
+                        <a:bodyPr/>
+                        <a:lstStyle/>
+                        <a:p>
+                          <a:pPr algn="ctr"/>
+                          <a:r>
+                            <a:rPr lang="en-US" sz="2800" dirty="0">
+                              <a:latin typeface="Roboto" panose="02000000000000000000" pitchFamily="2" charset="0"/>
+                              <a:ea typeface="Roboto" panose="02000000000000000000" pitchFamily="2" charset="0"/>
+                              <a:cs typeface="Roboto" panose="02000000000000000000" pitchFamily="2" charset="0"/>
+                            </a:rPr>
+                            <a:t>0.00</a:t>
+                          </a:r>
+                        </a:p>
+                      </a:txBody>
+                      <a:tcPr>
+                        <a:solidFill>
+                          <a:srgbClr val="E1AAF3"/>
+                        </a:solidFill>
+                      </a:tcPr>
+                    </a:tc>
+                    <a:tc>
+                      <a:txBody>
+                        <a:bodyPr/>
+                        <a:lstStyle/>
+                        <a:p>
+                          <a:pPr algn="ctr"/>
+                          <a:r>
+                            <a:rPr lang="en-US" sz="2800" dirty="0">
+                              <a:latin typeface="Roboto" panose="02000000000000000000" pitchFamily="2" charset="0"/>
+                              <a:ea typeface="Roboto" panose="02000000000000000000" pitchFamily="2" charset="0"/>
+                              <a:cs typeface="Roboto" panose="02000000000000000000" pitchFamily="2" charset="0"/>
+                            </a:rPr>
+                            <a:t>(0.00, 0.00)</a:t>
+                          </a:r>
+                        </a:p>
+                      </a:txBody>
+                      <a:tcPr>
+                        <a:solidFill>
+                          <a:srgbClr val="E1AAF3"/>
+                        </a:solidFill>
+                      </a:tcPr>
+                    </a:tc>
+                    <a:extLst>
+                      <a:ext uri="{0D108BD9-81ED-4DB2-BD59-A6C34878D82A}">
+                        <a16:rowId xmlns:a16="http://schemas.microsoft.com/office/drawing/2014/main" val="2940754325"/>
+                      </a:ext>
+                    </a:extLst>
+                  </a:tr>
+                </a:tbl>
+              </a:graphicData>
+            </a:graphic>
+          </p:graphicFrame>
+        </mc:Fallback>
+      </mc:AlternateContent>
+      <p:sp>
+        <p:nvSpPr>
+          <p:cNvPr id="14" name="Google Shape;84;p13">
+            <a:extLst>
+              <a:ext uri="{FF2B5EF4-FFF2-40B4-BE49-F238E27FC236}">
+                <a16:creationId xmlns:a16="http://schemas.microsoft.com/office/drawing/2014/main" id="{02FF3AA9-BE2C-67FC-593B-5AFEBF98A498}"/>
+              </a:ext>
+            </a:extLst>
+          </p:cNvPr>
+          <p:cNvSpPr txBox="1"/>
+          <p:nvPr/>
+        </p:nvSpPr>
+        <p:spPr>
+          <a:xfrm>
+            <a:off x="18429637" y="3275510"/>
+            <a:ext cx="6858000" cy="984845"/>
+          </a:xfrm>
+          <a:prstGeom prst="rect">
+            <a:avLst/>
+          </a:prstGeom>
+          <a:noFill/>
+          <a:ln>
+            <a:noFill/>
+          </a:ln>
+        </p:spPr>
+        <p:txBody>
+          <a:bodyPr spcFirstLastPara="1" wrap="square" lIns="182875" tIns="274300" rIns="182875" bIns="274300" anchor="t" anchorCtr="0">
+            <a:spAutoFit/>
+          </a:bodyPr>
+          <a:lstStyle/>
+          <a:p>
+            <a:pPr marL="0" lvl="0" indent="0" algn="l" rtl="0">
+              <a:spcBef>
+                <a:spcPts val="0"/>
+              </a:spcBef>
+              <a:spcAft>
+                <a:spcPts val="0"/>
+              </a:spcAft>
+              <a:buNone/>
+            </a:pPr>
+            <a:r>
+              <a:rPr lang="en" sz="2800" b="1" dirty="0">
+                <a:latin typeface="Roboto"/>
+                <a:ea typeface="Roboto"/>
+                <a:cs typeface="Roboto"/>
+                <a:sym typeface="Roboto"/>
+              </a:rPr>
+              <a:t>Table 1: Show-Specific Model (</a:t>
+            </a:r>
+            <a:r>
+              <a:rPr lang="en" sz="2800" b="1" i="1" dirty="0">
+                <a:latin typeface="Roboto"/>
+                <a:ea typeface="Roboto"/>
+                <a:cs typeface="Roboto"/>
+                <a:sym typeface="Roboto"/>
+              </a:rPr>
+              <a:t>New Girl)</a:t>
+            </a:r>
+            <a:endParaRPr lang="en" sz="2800" b="1" dirty="0">
+              <a:latin typeface="Roboto"/>
+              <a:ea typeface="Roboto"/>
+              <a:cs typeface="Roboto"/>
+              <a:sym typeface="Roboto"/>
+            </a:endParaRPr>
+          </a:p>
+        </p:txBody>
+      </p:sp>
+      <p:sp>
+        <p:nvSpPr>
+          <p:cNvPr id="16" name="Google Shape;84;p13">
+            <a:extLst>
+              <a:ext uri="{FF2B5EF4-FFF2-40B4-BE49-F238E27FC236}">
+                <a16:creationId xmlns:a16="http://schemas.microsoft.com/office/drawing/2014/main" id="{BC4964C9-154D-4329-7820-55689539FDA5}"/>
+              </a:ext>
+            </a:extLst>
+          </p:cNvPr>
+          <p:cNvSpPr txBox="1"/>
+          <p:nvPr/>
+        </p:nvSpPr>
+        <p:spPr>
+          <a:xfrm>
+            <a:off x="18429637" y="12603267"/>
+            <a:ext cx="6858000" cy="984845"/>
+          </a:xfrm>
+          <a:prstGeom prst="rect">
+            <a:avLst/>
+          </a:prstGeom>
+          <a:noFill/>
+          <a:ln>
+            <a:noFill/>
+          </a:ln>
+        </p:spPr>
+        <p:txBody>
+          <a:bodyPr spcFirstLastPara="1" wrap="square" lIns="182875" tIns="274300" rIns="182875" bIns="274300" anchor="t" anchorCtr="0">
+            <a:spAutoFit/>
+          </a:bodyPr>
+          <a:lstStyle/>
+          <a:p>
+            <a:pPr marL="0" lvl="0" indent="0" algn="l" rtl="0">
+              <a:spcBef>
+                <a:spcPts val="0"/>
+              </a:spcBef>
+              <a:spcAft>
+                <a:spcPts val="0"/>
+              </a:spcAft>
+              <a:buNone/>
+            </a:pPr>
+            <a:r>
+              <a:rPr lang="en" sz="2800" b="1" dirty="0">
+                <a:latin typeface="Roboto"/>
+                <a:ea typeface="Roboto"/>
+                <a:cs typeface="Roboto"/>
+                <a:sym typeface="Roboto"/>
+              </a:rPr>
+              <a:t>Table 2: Overall Model (Top 20 Couples)</a:t>
+            </a:r>
+          </a:p>
+        </p:txBody>
+      </p:sp>
+      <p:pic>
+        <p:nvPicPr>
+          <p:cNvPr id="24" name="Picture 23" descr="A graph showing the distribution of show premieres&#10;&#10;Description automatically generated">
+            <a:extLst>
+              <a:ext uri="{FF2B5EF4-FFF2-40B4-BE49-F238E27FC236}">
+                <a16:creationId xmlns:a16="http://schemas.microsoft.com/office/drawing/2014/main" id="{324744BE-6BEC-DDBC-71A0-F31D08211AAB}"/>
+              </a:ext>
+            </a:extLst>
+          </p:cNvPr>
+          <p:cNvPicPr>
+            <a:picLocks noChangeAspect="1"/>
+          </p:cNvPicPr>
+          <p:nvPr/>
+        </p:nvPicPr>
+        <p:blipFill>
+          <a:blip r:embed="rId5"/>
+          <a:stretch>
+            <a:fillRect/>
+          </a:stretch>
+        </p:blipFill>
+        <p:spPr>
+          <a:xfrm>
+            <a:off x="7091534" y="3460433"/>
+            <a:ext cx="10550769" cy="5486400"/>
+          </a:xfrm>
+          <a:prstGeom prst="rect">
+            <a:avLst/>
+          </a:prstGeom>
+        </p:spPr>
+      </p:pic>
+      <p:pic>
+        <p:nvPicPr>
+          <p:cNvPr id="28" name="Picture 27" descr="A chart of a distribution of kisses&#10;&#10;Description automatically generated">
+            <a:extLst>
+              <a:ext uri="{FF2B5EF4-FFF2-40B4-BE49-F238E27FC236}">
+                <a16:creationId xmlns:a16="http://schemas.microsoft.com/office/drawing/2014/main" id="{75BC76F5-E210-5D65-2C35-026780935AAF}"/>
+              </a:ext>
+            </a:extLst>
+          </p:cNvPr>
+          <p:cNvPicPr>
+            <a:picLocks noChangeAspect="1"/>
+          </p:cNvPicPr>
+          <p:nvPr/>
+        </p:nvPicPr>
+        <p:blipFill>
+          <a:blip r:embed="rId6"/>
+          <a:stretch>
+            <a:fillRect/>
+          </a:stretch>
+        </p:blipFill>
+        <p:spPr>
+          <a:xfrm>
+            <a:off x="7337379" y="10021630"/>
+            <a:ext cx="10550769" cy="5486400"/>
+          </a:xfrm>
+          <a:prstGeom prst="rect">
+            <a:avLst/>
+          </a:prstGeom>
+        </p:spPr>
+      </p:pic>
+      <mc:AlternateContent xmlns:mc="http://schemas.openxmlformats.org/markup-compatibility/2006" xmlns:a14="http://schemas.microsoft.com/office/drawing/2010/main">
+        <mc:Choice Requires="a14">
+          <p:sp>
+            <p:nvSpPr>
+              <p:cNvPr id="48" name="Google Shape;155;p14">
+                <a:extLst>
+                  <a:ext uri="{FF2B5EF4-FFF2-40B4-BE49-F238E27FC236}">
+                    <a16:creationId xmlns:a16="http://schemas.microsoft.com/office/drawing/2014/main" id="{3399F082-CBB4-27C4-017B-ACC99FC35C3B}"/>
+                  </a:ext>
+                </a:extLst>
+              </p:cNvPr>
+              <p:cNvSpPr txBox="1"/>
+              <p:nvPr/>
+            </p:nvSpPr>
+            <p:spPr>
+              <a:xfrm>
+                <a:off x="17990082" y="7858427"/>
+                <a:ext cx="7780511" cy="4720777"/>
+              </a:xfrm>
+              <a:prstGeom prst="rect">
+                <a:avLst/>
+              </a:prstGeom>
+              <a:noFill/>
+              <a:ln>
+                <a:noFill/>
+              </a:ln>
+            </p:spPr>
+            <p:txBody>
+              <a:bodyPr spcFirstLastPara="1" wrap="square" lIns="182875" tIns="274300" rIns="182875" bIns="274300" anchor="t" anchorCtr="0">
+                <a:noAutofit/>
+              </a:bodyPr>
+              <a:lstStyle/>
+              <a:p>
+                <a:pPr marL="457200" lvl="0" indent="-457200" algn="just" rtl="0">
+                  <a:spcBef>
+                    <a:spcPts val="0"/>
+                  </a:spcBef>
+                  <a:spcAft>
+                    <a:spcPts val="0"/>
+                  </a:spcAft>
+                  <a:buFont typeface="Arial" panose="020B0604020202020204" pitchFamily="34" charset="0"/>
+                  <a:buChar char="•"/>
+                </a:pPr>
+                <a:r>
+                  <a:rPr lang="en-US" sz="2800" dirty="0">
+                    <a:latin typeface="Roboto"/>
+                    <a:ea typeface="Roboto"/>
+                    <a:cs typeface="Roboto"/>
+                    <a:sym typeface="Roboto"/>
+                  </a:rPr>
+                  <a:t>The ITS models quantify the </a:t>
+                </a:r>
+                <a:r>
+                  <a:rPr lang="en-US" sz="2800" b="1" dirty="0">
+                    <a:latin typeface="Roboto"/>
+                    <a:ea typeface="Roboto"/>
+                    <a:cs typeface="Roboto"/>
+                    <a:sym typeface="Roboto"/>
+                  </a:rPr>
+                  <a:t>altered trajectories of the episode ratings</a:t>
+                </a:r>
+                <a:r>
+                  <a:rPr lang="en-US" sz="2800" dirty="0">
+                    <a:latin typeface="Roboto"/>
+                    <a:ea typeface="Roboto"/>
+                    <a:cs typeface="Roboto"/>
+                    <a:sym typeface="Roboto"/>
+                  </a:rPr>
+                  <a:t> after versus before the first kiss. </a:t>
+                </a:r>
+              </a:p>
+              <a:p>
+                <a:pPr lvl="0" algn="just" rtl="0">
+                  <a:spcBef>
+                    <a:spcPts val="0"/>
+                  </a:spcBef>
+                  <a:spcAft>
+                    <a:spcPts val="0"/>
+                  </a:spcAft>
+                </a:pPr>
+                <a:endParaRPr lang="en-US" sz="1300" dirty="0">
+                  <a:latin typeface="Roboto"/>
+                  <a:ea typeface="Roboto"/>
+                  <a:cs typeface="Roboto"/>
+                  <a:sym typeface="Roboto"/>
+                </a:endParaRPr>
+              </a:p>
+              <a:p>
+                <a:pPr marL="457200" lvl="0" indent="-457200" algn="just">
+                  <a:buFont typeface="Arial" panose="020B0604020202020204" pitchFamily="34" charset="0"/>
+                  <a:buChar char="•"/>
+                </a:pPr>
+                <a:r>
+                  <a:rPr lang="en-US" sz="2800" dirty="0">
+                    <a:latin typeface="Roboto"/>
+                    <a:ea typeface="Roboto"/>
+                    <a:cs typeface="Roboto"/>
+                    <a:sym typeface="Roboto"/>
+                  </a:rPr>
+                  <a:t>To address whether the </a:t>
+                </a:r>
+                <a:r>
+                  <a:rPr lang="en-US" sz="2800" b="1" dirty="0">
+                    <a:latin typeface="Roboto"/>
+                    <a:ea typeface="Roboto"/>
+                    <a:cs typeface="Roboto"/>
+                    <a:sym typeface="Roboto"/>
+                  </a:rPr>
+                  <a:t>episode ratings change immediately</a:t>
+                </a:r>
+                <a:r>
+                  <a:rPr lang="en-US" sz="2800" dirty="0">
+                    <a:latin typeface="Roboto"/>
+                    <a:ea typeface="Roboto"/>
+                    <a:cs typeface="Roboto"/>
+                    <a:sym typeface="Roboto"/>
+                  </a:rPr>
+                  <a:t> following the first kiss, we look at  </a:t>
+                </a:r>
+                <a14:m>
+                  <m:oMath xmlns:m="http://schemas.openxmlformats.org/officeDocument/2006/math">
+                    <m:acc>
+                      <m:accPr>
+                        <m:chr m:val="̂"/>
+                        <m:ctrlPr>
+                          <a:rPr lang="en-US" sz="2800" i="1" smtClean="0">
+                            <a:solidFill>
+                              <a:srgbClr val="522E5E"/>
+                            </a:solidFill>
+                            <a:latin typeface="Cambria Math" panose="02040503050406030204" pitchFamily="18" charset="0"/>
+                            <a:ea typeface="Roboto" panose="02000000000000000000" pitchFamily="2" charset="0"/>
+                            <a:cs typeface="Roboto" panose="02000000000000000000" pitchFamily="2" charset="0"/>
+                          </a:rPr>
+                        </m:ctrlPr>
+                      </m:accPr>
+                      <m:e>
+                        <m:sSub>
+                          <m:sSubPr>
+                            <m:ctrlPr>
+                              <a:rPr lang="en-US" sz="2800" i="1" smtClean="0">
+                                <a:solidFill>
+                                  <a:srgbClr val="522E5E"/>
+                                </a:solidFill>
+                                <a:latin typeface="Cambria Math" panose="02040503050406030204" pitchFamily="18" charset="0"/>
+                                <a:ea typeface="Roboto" panose="02000000000000000000" pitchFamily="2" charset="0"/>
+                                <a:cs typeface="Roboto" panose="02000000000000000000" pitchFamily="2" charset="0"/>
+                              </a:rPr>
+                            </m:ctrlPr>
+                          </m:sSubPr>
+                          <m:e>
+                            <m:r>
+                              <a:rPr lang="en-US" sz="2800" i="1" smtClean="0">
+                                <a:solidFill>
+                                  <a:srgbClr val="522E5E"/>
+                                </a:solidFill>
+                                <a:latin typeface="Cambria Math" panose="02040503050406030204" pitchFamily="18" charset="0"/>
+                                <a:ea typeface="Cambria Math" panose="02040503050406030204" pitchFamily="18" charset="0"/>
+                                <a:cs typeface="Roboto" panose="02000000000000000000" pitchFamily="2" charset="0"/>
+                              </a:rPr>
+                              <m:t>𝛽</m:t>
+                            </m:r>
+                          </m:e>
+                          <m:sub>
+                            <m:r>
+                              <a:rPr lang="en-US" sz="2800" b="0" i="1" smtClean="0">
+                                <a:solidFill>
+                                  <a:srgbClr val="522E5E"/>
+                                </a:solidFill>
+                                <a:latin typeface="Cambria Math" panose="02040503050406030204" pitchFamily="18" charset="0"/>
+                                <a:ea typeface="Cambria Math" panose="02040503050406030204" pitchFamily="18" charset="0"/>
+                                <a:cs typeface="Roboto" panose="02000000000000000000" pitchFamily="2" charset="0"/>
+                              </a:rPr>
+                              <m:t>2</m:t>
+                            </m:r>
+                          </m:sub>
+                        </m:sSub>
+                      </m:e>
+                    </m:acc>
+                  </m:oMath>
+                </a14:m>
+                <a:r>
+                  <a:rPr lang="en-US" sz="2800" dirty="0">
+                    <a:latin typeface="Roboto" panose="02000000000000000000" pitchFamily="2" charset="0"/>
+                    <a:ea typeface="Roboto" panose="02000000000000000000" pitchFamily="2" charset="0"/>
+                    <a:cs typeface="Roboto" panose="02000000000000000000" pitchFamily="2" charset="0"/>
+                  </a:rPr>
+                  <a:t>. </a:t>
+                </a:r>
+              </a:p>
+              <a:p>
+                <a:pPr lvl="0" algn="just"/>
+                <a:endParaRPr lang="en-US" sz="1300" dirty="0">
+                  <a:latin typeface="Roboto" panose="02000000000000000000" pitchFamily="2" charset="0"/>
+                  <a:ea typeface="Roboto" panose="02000000000000000000" pitchFamily="2" charset="0"/>
+                  <a:cs typeface="Roboto" panose="02000000000000000000" pitchFamily="2" charset="0"/>
+                </a:endParaRPr>
+              </a:p>
+              <a:p>
+                <a:pPr lvl="0" algn="just"/>
+                <a:endParaRPr lang="en-US" sz="1300" dirty="0">
+                  <a:latin typeface="Roboto" panose="02000000000000000000" pitchFamily="2" charset="0"/>
+                  <a:ea typeface="Roboto" panose="02000000000000000000" pitchFamily="2" charset="0"/>
+                  <a:cs typeface="Roboto" panose="02000000000000000000" pitchFamily="2" charset="0"/>
+                </a:endParaRPr>
+              </a:p>
+              <a:p>
+                <a:pPr marL="457200" indent="-457200" algn="just">
+                  <a:buFont typeface="Arial" panose="020B0604020202020204" pitchFamily="34" charset="0"/>
+                  <a:buChar char="•"/>
+                </a:pPr>
+                <a:r>
+                  <a:rPr lang="en" sz="2800" dirty="0">
+                    <a:latin typeface="Roboto"/>
+                    <a:ea typeface="Roboto"/>
+                    <a:cs typeface="Roboto"/>
+                    <a:sym typeface="Roboto"/>
+                  </a:rPr>
+                  <a:t>To address how quickly </a:t>
+                </a:r>
+                <a:r>
+                  <a:rPr lang="en" sz="2800" b="1" dirty="0">
+                    <a:latin typeface="Roboto"/>
+                    <a:ea typeface="Roboto"/>
+                    <a:cs typeface="Roboto"/>
+                    <a:sym typeface="Roboto"/>
+                  </a:rPr>
+                  <a:t>ratings return to pre-kiss levels</a:t>
+                </a:r>
+                <a:r>
+                  <a:rPr lang="en" sz="2800" dirty="0">
+                    <a:latin typeface="Roboto"/>
+                    <a:ea typeface="Roboto"/>
+                    <a:cs typeface="Roboto"/>
+                    <a:sym typeface="Roboto"/>
+                  </a:rPr>
+                  <a:t> (if ever), we look at </a:t>
+                </a:r>
+                <a14:m>
+                  <m:oMath xmlns:m="http://schemas.openxmlformats.org/officeDocument/2006/math">
+                    <m:acc>
+                      <m:accPr>
+                        <m:chr m:val="̂"/>
+                        <m:ctrlPr>
+                          <a:rPr lang="en-US" sz="2800" i="1" smtClean="0">
+                            <a:solidFill>
+                              <a:srgbClr val="DD304A"/>
+                            </a:solidFill>
+                            <a:latin typeface="Cambria Math" panose="02040503050406030204" pitchFamily="18" charset="0"/>
+                            <a:ea typeface="Roboto" panose="02000000000000000000" pitchFamily="2" charset="0"/>
+                            <a:cs typeface="Roboto" panose="02000000000000000000" pitchFamily="2" charset="0"/>
+                          </a:rPr>
+                        </m:ctrlPr>
+                      </m:accPr>
+                      <m:e>
+                        <m:sSub>
+                          <m:sSubPr>
+                            <m:ctrlPr>
+                              <a:rPr lang="en-US" sz="2800" i="1" smtClean="0">
+                                <a:solidFill>
+                                  <a:srgbClr val="DD304A"/>
+                                </a:solidFill>
+                                <a:latin typeface="Cambria Math" panose="02040503050406030204" pitchFamily="18" charset="0"/>
+                                <a:ea typeface="Roboto" panose="02000000000000000000" pitchFamily="2" charset="0"/>
+                                <a:cs typeface="Roboto" panose="02000000000000000000" pitchFamily="2" charset="0"/>
+                              </a:rPr>
+                            </m:ctrlPr>
+                          </m:sSubPr>
+                          <m:e>
+                            <m:r>
+                              <a:rPr lang="en-US" sz="2800" i="1" smtClean="0">
+                                <a:solidFill>
+                                  <a:srgbClr val="DD304A"/>
+                                </a:solidFill>
+                                <a:latin typeface="Cambria Math" panose="02040503050406030204" pitchFamily="18" charset="0"/>
+                                <a:ea typeface="Cambria Math" panose="02040503050406030204" pitchFamily="18" charset="0"/>
+                                <a:cs typeface="Roboto" panose="02000000000000000000" pitchFamily="2" charset="0"/>
+                              </a:rPr>
+                              <m:t>𝛽</m:t>
+                            </m:r>
+                          </m:e>
+                          <m:sub>
+                            <m:r>
+                              <a:rPr lang="en-US" sz="2800" b="0" i="1" smtClean="0">
+                                <a:solidFill>
+                                  <a:srgbClr val="DD304A"/>
+                                </a:solidFill>
+                                <a:latin typeface="Cambria Math" panose="02040503050406030204" pitchFamily="18" charset="0"/>
+                                <a:ea typeface="Cambria Math" panose="02040503050406030204" pitchFamily="18" charset="0"/>
+                                <a:cs typeface="Roboto" panose="02000000000000000000" pitchFamily="2" charset="0"/>
+                              </a:rPr>
+                              <m:t>3</m:t>
+                            </m:r>
+                          </m:sub>
+                        </m:sSub>
+                        <m:r>
+                          <a:rPr lang="en-US" sz="2800" b="0" i="1" smtClean="0">
+                            <a:solidFill>
+                              <a:srgbClr val="DD304A"/>
+                            </a:solidFill>
+                            <a:latin typeface="Cambria Math" panose="02040503050406030204" pitchFamily="18" charset="0"/>
+                            <a:ea typeface="Cambria Math" panose="02040503050406030204" pitchFamily="18" charset="0"/>
+                            <a:cs typeface="Roboto" panose="02000000000000000000" pitchFamily="2" charset="0"/>
+                          </a:rPr>
+                          <m:t> </m:t>
+                        </m:r>
+                      </m:e>
+                    </m:acc>
+                  </m:oMath>
+                </a14:m>
+                <a:r>
+                  <a:rPr lang="en-US" sz="2800" dirty="0">
+                    <a:latin typeface="Roboto"/>
+                    <a:ea typeface="Roboto"/>
+                    <a:cs typeface="Roboto"/>
+                    <a:sym typeface="Roboto"/>
+                  </a:rPr>
+                  <a:t>. </a:t>
+                </a:r>
+              </a:p>
+              <a:p>
+                <a:pPr lvl="0" algn="just"/>
+                <a:endParaRPr lang="en-US" sz="2800" dirty="0">
+                  <a:latin typeface="Roboto" panose="02000000000000000000" pitchFamily="2" charset="0"/>
+                  <a:ea typeface="Roboto" panose="02000000000000000000" pitchFamily="2" charset="0"/>
+                  <a:cs typeface="Roboto" panose="02000000000000000000" pitchFamily="2" charset="0"/>
+                </a:endParaRPr>
+              </a:p>
+              <a:p>
+                <a:pPr lvl="0" algn="just" rtl="0">
+                  <a:spcBef>
+                    <a:spcPts val="0"/>
+                  </a:spcBef>
+                  <a:spcAft>
+                    <a:spcPts val="0"/>
+                  </a:spcAft>
+                </a:pPr>
+                <a:endParaRPr lang="en-US" sz="1300" dirty="0">
+                  <a:latin typeface="Roboto" panose="02000000000000000000" pitchFamily="2" charset="0"/>
+                  <a:ea typeface="Roboto" panose="02000000000000000000" pitchFamily="2" charset="0"/>
+                  <a:cs typeface="Roboto" panose="02000000000000000000" pitchFamily="2" charset="0"/>
+                </a:endParaRPr>
+              </a:p>
+            </p:txBody>
+          </p:sp>
+        </mc:Choice>
+        <mc:Fallback xmlns="">
+          <p:sp>
+            <p:nvSpPr>
+              <p:cNvPr id="48" name="Google Shape;155;p14">
+                <a:extLst>
+                  <a:ext uri="{FF2B5EF4-FFF2-40B4-BE49-F238E27FC236}">
+                    <a16:creationId xmlns:a16="http://schemas.microsoft.com/office/drawing/2014/main" id="{3399F082-CBB4-27C4-017B-ACC99FC35C3B}"/>
+                  </a:ext>
+                </a:extLst>
+              </p:cNvPr>
+              <p:cNvSpPr txBox="1">
+                <a:spLocks noRot="1" noChangeAspect="1" noMove="1" noResize="1" noEditPoints="1" noAdjustHandles="1" noChangeArrowheads="1" noChangeShapeType="1" noTextEdit="1"/>
+              </p:cNvSpPr>
+              <p:nvPr/>
+            </p:nvSpPr>
+            <p:spPr>
+              <a:xfrm>
+                <a:off x="17990082" y="7858427"/>
+                <a:ext cx="7780511" cy="4720777"/>
+              </a:xfrm>
+              <a:prstGeom prst="rect">
+                <a:avLst/>
+              </a:prstGeom>
+              <a:blipFill>
+                <a:blip r:embed="rId7"/>
+                <a:stretch>
+                  <a:fillRect l="-163" r="-489"/>
+                </a:stretch>
+              </a:blipFill>
+              <a:ln>
+                <a:noFill/>
+              </a:ln>
+            </p:spPr>
+            <p:txBody>
+              <a:bodyPr/>
+              <a:lstStyle/>
+              <a:p>
+                <a:r>
+                  <a:rPr lang="en-US">
+                    <a:noFill/>
+                  </a:rPr>
+                  <a:t> </a:t>
+                </a:r>
+              </a:p>
+            </p:txBody>
+          </p:sp>
+        </mc:Fallback>
+      </mc:AlternateContent>
+      <p:pic>
+        <p:nvPicPr>
+          <p:cNvPr id="10" name="Picture 9" descr="A graph of different colored dots&#10;&#10;Description automatically generated">
+            <a:extLst>
+              <a:ext uri="{FF2B5EF4-FFF2-40B4-BE49-F238E27FC236}">
+                <a16:creationId xmlns:a16="http://schemas.microsoft.com/office/drawing/2014/main" id="{1E771C6A-767D-52FE-1355-19EEDF802C4F}"/>
+              </a:ext>
+            </a:extLst>
+          </p:cNvPr>
+          <p:cNvPicPr>
+            <a:picLocks noChangeAspect="1"/>
+          </p:cNvPicPr>
+          <p:nvPr/>
+        </p:nvPicPr>
+        <p:blipFill>
+          <a:blip r:embed="rId8"/>
+          <a:stretch>
+            <a:fillRect/>
+          </a:stretch>
+        </p:blipFill>
+        <p:spPr>
+          <a:xfrm>
+            <a:off x="26383621" y="3374035"/>
+            <a:ext cx="10550769" cy="5486400"/>
+          </a:xfrm>
+          <a:prstGeom prst="rect">
+            <a:avLst/>
+          </a:prstGeom>
+        </p:spPr>
+      </p:pic>
+      <p:pic>
+        <p:nvPicPr>
+          <p:cNvPr id="17" name="Picture 16" descr="A screen shot of a graph&#10;&#10;Description automatically generated">
+            <a:extLst>
+              <a:ext uri="{FF2B5EF4-FFF2-40B4-BE49-F238E27FC236}">
+                <a16:creationId xmlns:a16="http://schemas.microsoft.com/office/drawing/2014/main" id="{1EAB0808-A5EB-002F-4B1B-DEF4B84BAEAA}"/>
+              </a:ext>
+            </a:extLst>
+          </p:cNvPr>
+          <p:cNvPicPr>
+            <a:picLocks noChangeAspect="1"/>
+          </p:cNvPicPr>
+          <p:nvPr/>
+        </p:nvPicPr>
+        <p:blipFill>
+          <a:blip r:embed="rId9"/>
+          <a:stretch>
+            <a:fillRect/>
+          </a:stretch>
+        </p:blipFill>
+        <p:spPr>
+          <a:xfrm>
+            <a:off x="26383621" y="11044777"/>
+            <a:ext cx="10550769" cy="5486400"/>
+          </a:xfrm>
+          <a:prstGeom prst="rect">
+            <a:avLst/>
+          </a:prstGeom>
+        </p:spPr>
+      </p:pic>
+    </p:spTree>
+    <p:extLst>
+      <p:ext uri="{BB962C8B-B14F-4D97-AF65-F5344CB8AC3E}">
+        <p14:creationId xmlns:p14="http://schemas.microsoft.com/office/powerpoint/2010/main" val="2178675488"/>
+      </p:ext>
+    </p:extLst>
   </p:cSld>
   <p:clrMapOvr>
     <a:masterClrMapping/>
